--- a/Project presentation.pptx
+++ b/Project presentation.pptx
@@ -6,13 +6,15 @@
   </p:sldMasterIdLst>
   <p:sldIdLst>
     <p:sldId id="256" r:id="rId2"/>
-    <p:sldId id="257" r:id="rId3"/>
-    <p:sldId id="258" r:id="rId4"/>
-    <p:sldId id="259" r:id="rId5"/>
-    <p:sldId id="260" r:id="rId6"/>
+    <p:sldId id="264" r:id="rId3"/>
+    <p:sldId id="257" r:id="rId4"/>
+    <p:sldId id="258" r:id="rId5"/>
+    <p:sldId id="259" r:id="rId6"/>
     <p:sldId id="263" r:id="rId7"/>
-    <p:sldId id="261" r:id="rId8"/>
-    <p:sldId id="262" r:id="rId9"/>
+    <p:sldId id="260" r:id="rId8"/>
+    <p:sldId id="261" r:id="rId9"/>
+    <p:sldId id="262" r:id="rId10"/>
+    <p:sldId id="265" r:id="rId11"/>
   </p:sldIdLst>
   <p:sldSz cx="12192000" cy="6858000"/>
   <p:notesSz cx="6858000" cy="9144000"/>
@@ -111,6 +113,11 @@
       </a:defRPr>
     </a:lvl9pPr>
   </p:defaultTextStyle>
+  <p:extLst>
+    <p:ext uri="{EFAFB233-063F-42B5-8137-9DF3F51BA10A}">
+      <p15:sldGuideLst xmlns:p15="http://schemas.microsoft.com/office/powerpoint/2012/main"/>
+    </p:ext>
+  </p:extLst>
 </p:presentation>
 </file>
 
@@ -4208,6 +4215,93 @@
 </p:sld>
 </file>
 
+<file path=ppt/slides/slide10.xml><?xml version="1.0" encoding="utf-8"?>
+<p:sld xmlns:a="http://schemas.openxmlformats.org/drawingml/2006/main" xmlns:r="http://schemas.openxmlformats.org/officeDocument/2006/relationships" xmlns:p="http://schemas.openxmlformats.org/presentationml/2006/main">
+  <p:cSld>
+    <p:spTree>
+      <p:nvGrpSpPr>
+        <p:cNvPr id="1" name=""/>
+        <p:cNvGrpSpPr/>
+        <p:nvPr/>
+      </p:nvGrpSpPr>
+      <p:grpSpPr>
+        <a:xfrm>
+          <a:off x="0" y="0"/>
+          <a:ext cx="0" cy="0"/>
+          <a:chOff x="0" y="0"/>
+          <a:chExt cx="0" cy="0"/>
+        </a:xfrm>
+      </p:grpSpPr>
+      <p:sp>
+        <p:nvSpPr>
+          <p:cNvPr id="2" name="Titre 1">
+            <a:extLst>
+              <a:ext uri="{FF2B5EF4-FFF2-40B4-BE49-F238E27FC236}">
+                <a16:creationId xmlns:a16="http://schemas.microsoft.com/office/drawing/2014/main" id="{0E5CE635-C53D-964E-8438-2A01E1A38570}"/>
+              </a:ext>
+            </a:extLst>
+          </p:cNvPr>
+          <p:cNvSpPr>
+            <a:spLocks noGrp="1"/>
+          </p:cNvSpPr>
+          <p:nvPr>
+            <p:ph type="title"/>
+          </p:nvPr>
+        </p:nvSpPr>
+        <p:spPr/>
+        <p:txBody>
+          <a:bodyPr/>
+          <a:lstStyle/>
+          <a:p>
+            <a:r>
+              <a:rPr lang="en-GB" dirty="0"/>
+              <a:t>Thanks for listening </a:t>
+            </a:r>
+          </a:p>
+        </p:txBody>
+      </p:sp>
+      <p:pic>
+        <p:nvPicPr>
+          <p:cNvPr id="5" name="Espace réservé du contenu 4" descr="Une image contenant texte, chat, noir&#10;&#10;Description générée automatiquement">
+            <a:extLst>
+              <a:ext uri="{FF2B5EF4-FFF2-40B4-BE49-F238E27FC236}">
+                <a16:creationId xmlns:a16="http://schemas.microsoft.com/office/drawing/2014/main" id="{73858D75-4526-4D4E-A7F1-C4040B23DA41}"/>
+              </a:ext>
+            </a:extLst>
+          </p:cNvPr>
+          <p:cNvPicPr>
+            <a:picLocks noGrp="1" noChangeAspect="1"/>
+          </p:cNvPicPr>
+          <p:nvPr>
+            <p:ph idx="1"/>
+          </p:nvPr>
+        </p:nvPicPr>
+        <p:blipFill>
+          <a:blip r:embed="rId2"/>
+          <a:stretch>
+            <a:fillRect/>
+          </a:stretch>
+        </p:blipFill>
+        <p:spPr>
+          <a:xfrm>
+            <a:off x="4938491" y="2286000"/>
+            <a:ext cx="2467418" cy="3581400"/>
+          </a:xfrm>
+        </p:spPr>
+      </p:pic>
+    </p:spTree>
+    <p:extLst>
+      <p:ext uri="{BB962C8B-B14F-4D97-AF65-F5344CB8AC3E}">
+        <p14:creationId xmlns:p14="http://schemas.microsoft.com/office/powerpoint/2010/main" val="671383541"/>
+      </p:ext>
+    </p:extLst>
+  </p:cSld>
+  <p:clrMapOvr>
+    <a:masterClrMapping/>
+  </p:clrMapOvr>
+</p:sld>
+</file>
+
 <file path=ppt/slides/slide2.xml><?xml version="1.0" encoding="utf-8"?>
 <p:sld xmlns:a="http://schemas.openxmlformats.org/drawingml/2006/main" xmlns:r="http://schemas.openxmlformats.org/officeDocument/2006/relationships" xmlns:p="http://schemas.openxmlformats.org/presentationml/2006/main">
   <p:cSld>
@@ -4233,21 +4327,21 @@
           <a:chExt cx="0" cy="0"/>
         </a:xfrm>
       </p:grpSpPr>
-      <p:sp useBgFill="1">
-        <p:nvSpPr>
-          <p:cNvPr id="13" name="Rectangle 7">
+      <p:grpSp>
+        <p:nvGrpSpPr>
+          <p:cNvPr id="8" name="Group 7">
             <a:extLst>
               <a:ext uri="{FF2B5EF4-FFF2-40B4-BE49-F238E27FC236}">
-                <a16:creationId xmlns:a16="http://schemas.microsoft.com/office/drawing/2014/main" id="{32812C54-7AEF-4ABB-826E-221F51CB0F30}"/>
+                <a16:creationId xmlns:a16="http://schemas.microsoft.com/office/drawing/2014/main" id="{8C89EA62-F38E-4285-A105-C5E1BD360093}"/>
               </a:ext>
               <a:ext uri="{C183D7F6-B498-43B3-948B-1728B52AA6E4}">
                 <adec:decorative xmlns:adec="http://schemas.microsoft.com/office/drawing/2017/decorative" val="1"/>
               </a:ext>
             </a:extLst>
           </p:cNvPr>
-          <p:cNvSpPr>
-            <a:spLocks noGrp="1" noRot="1" noChangeAspect="1" noMove="1" noResize="1" noEditPoints="1" noAdjustHandles="1" noChangeArrowheads="1" noChangeShapeType="1" noTextEdit="1"/>
-          </p:cNvSpPr>
+          <p:cNvGrpSpPr>
+            <a:grpSpLocks noGrp="1" noUngrp="1" noRot="1" noChangeAspect="1" noMove="1" noResize="1"/>
+          </p:cNvGrpSpPr>
           <p:nvPr>
             <p:extLst>
               <p:ext uri="{386F3935-93C4-4BCD-93E2-E3B085C9AB24}">
@@ -4255,8 +4349,184 @@
               </p:ext>
             </p:extLst>
           </p:nvPr>
-        </p:nvSpPr>
-        <p:spPr>
+        </p:nvGrpSpPr>
+        <p:grpSpPr>
+          <a:xfrm>
+            <a:off x="752858" y="744469"/>
+            <a:ext cx="10674117" cy="5349671"/>
+            <a:chOff x="752858" y="744469"/>
+            <a:chExt cx="10674117" cy="5349671"/>
+          </a:xfrm>
+        </p:grpSpPr>
+        <p:sp>
+          <p:nvSpPr>
+            <p:cNvPr id="9" name="Freeform 6">
+              <a:extLst>
+                <a:ext uri="{FF2B5EF4-FFF2-40B4-BE49-F238E27FC236}">
+                  <a16:creationId xmlns:a16="http://schemas.microsoft.com/office/drawing/2014/main" id="{2CF6E46A-CCCD-4728-B011-E147B23629A3}"/>
+                </a:ext>
+                <a:ext uri="{C183D7F6-B498-43B3-948B-1728B52AA6E4}">
+                  <adec:decorative xmlns:adec="http://schemas.microsoft.com/office/drawing/2017/decorative" val="1"/>
+                </a:ext>
+              </a:extLst>
+            </p:cNvPr>
+            <p:cNvSpPr/>
+            <p:nvPr>
+              <p:extLst>
+                <p:ext uri="{386F3935-93C4-4BCD-93E2-E3B085C9AB24}">
+                  <p16:designElem xmlns:p16="http://schemas.microsoft.com/office/powerpoint/2015/main" val="1"/>
+                </p:ext>
+              </p:extLst>
+            </p:nvPr>
+          </p:nvSpPr>
+          <p:spPr bwMode="auto">
+            <a:xfrm>
+              <a:off x="8151962" y="1685652"/>
+              <a:ext cx="3275013" cy="4408488"/>
+            </a:xfrm>
+            <a:custGeom>
+              <a:avLst/>
+              <a:gdLst/>
+              <a:ahLst/>
+              <a:cxnLst/>
+              <a:rect l="l" t="t" r="r" b="b"/>
+              <a:pathLst>
+                <a:path w="10000" h="10000">
+                  <a:moveTo>
+                    <a:pt x="8761" y="0"/>
+                  </a:moveTo>
+                  <a:lnTo>
+                    <a:pt x="10000" y="0"/>
+                  </a:lnTo>
+                  <a:lnTo>
+                    <a:pt x="10000" y="10000"/>
+                  </a:lnTo>
+                  <a:lnTo>
+                    <a:pt x="0" y="10000"/>
+                  </a:lnTo>
+                  <a:lnTo>
+                    <a:pt x="0" y="9126"/>
+                  </a:lnTo>
+                  <a:lnTo>
+                    <a:pt x="8761" y="9127"/>
+                  </a:lnTo>
+                  <a:lnTo>
+                    <a:pt x="8761" y="0"/>
+                  </a:lnTo>
+                  <a:close/>
+                </a:path>
+              </a:pathLst>
+            </a:custGeom>
+            <a:solidFill>
+              <a:schemeClr val="tx2"/>
+            </a:solidFill>
+            <a:ln w="0">
+              <a:noFill/>
+              <a:prstDash val="solid"/>
+              <a:round/>
+              <a:headEnd/>
+              <a:tailEnd/>
+            </a:ln>
+          </p:spPr>
+        </p:sp>
+        <p:sp>
+          <p:nvSpPr>
+            <p:cNvPr id="10" name="Freeform 6">
+              <a:extLst>
+                <a:ext uri="{FF2B5EF4-FFF2-40B4-BE49-F238E27FC236}">
+                  <a16:creationId xmlns:a16="http://schemas.microsoft.com/office/drawing/2014/main" id="{2E2C684B-30C9-4689-A529-EBF1B8ADB215}"/>
+                </a:ext>
+                <a:ext uri="{C183D7F6-B498-43B3-948B-1728B52AA6E4}">
+                  <adec:decorative xmlns:adec="http://schemas.microsoft.com/office/drawing/2017/decorative" val="1"/>
+                </a:ext>
+              </a:extLst>
+            </p:cNvPr>
+            <p:cNvSpPr/>
+            <p:nvPr>
+              <p:extLst>
+                <p:ext uri="{386F3935-93C4-4BCD-93E2-E3B085C9AB24}">
+                  <p16:designElem xmlns:p16="http://schemas.microsoft.com/office/powerpoint/2015/main" val="1"/>
+                </p:ext>
+              </p:extLst>
+            </p:nvPr>
+          </p:nvSpPr>
+          <p:spPr bwMode="auto">
+            <a:xfrm flipH="1" flipV="1">
+              <a:off x="752858" y="744469"/>
+              <a:ext cx="3275668" cy="4408488"/>
+            </a:xfrm>
+            <a:custGeom>
+              <a:avLst/>
+              <a:gdLst/>
+              <a:ahLst/>
+              <a:cxnLst/>
+              <a:rect l="l" t="t" r="r" b="b"/>
+              <a:pathLst>
+                <a:path w="10002" h="10000">
+                  <a:moveTo>
+                    <a:pt x="8763" y="0"/>
+                  </a:moveTo>
+                  <a:lnTo>
+                    <a:pt x="10002" y="0"/>
+                  </a:lnTo>
+                  <a:lnTo>
+                    <a:pt x="10002" y="10000"/>
+                  </a:lnTo>
+                  <a:lnTo>
+                    <a:pt x="2" y="10000"/>
+                  </a:lnTo>
+                  <a:cubicBezTo>
+                    <a:pt x="-2" y="9698"/>
+                    <a:pt x="4" y="9427"/>
+                    <a:pt x="0" y="9125"/>
+                  </a:cubicBezTo>
+                  <a:lnTo>
+                    <a:pt x="8763" y="9128"/>
+                  </a:lnTo>
+                  <a:lnTo>
+                    <a:pt x="8763" y="0"/>
+                  </a:lnTo>
+                  <a:close/>
+                </a:path>
+              </a:pathLst>
+            </a:custGeom>
+            <a:solidFill>
+              <a:schemeClr val="tx2"/>
+            </a:solidFill>
+            <a:ln w="0">
+              <a:noFill/>
+              <a:prstDash val="solid"/>
+              <a:round/>
+              <a:headEnd/>
+              <a:tailEnd/>
+            </a:ln>
+          </p:spPr>
+        </p:sp>
+      </p:grpSp>
+      <p:sp useBgFill="1">
+        <p:nvSpPr>
+          <p:cNvPr id="12" name="Rectangle 11">
+            <a:extLst>
+              <a:ext uri="{FF2B5EF4-FFF2-40B4-BE49-F238E27FC236}">
+                <a16:creationId xmlns:a16="http://schemas.microsoft.com/office/drawing/2014/main" id="{9ECB0E0D-AC1B-4E83-84EA-237BFA20636D}"/>
+              </a:ext>
+              <a:ext uri="{C183D7F6-B498-43B3-948B-1728B52AA6E4}">
+                <adec:decorative xmlns:adec="http://schemas.microsoft.com/office/drawing/2017/decorative" val="1"/>
+              </a:ext>
+            </a:extLst>
+          </p:cNvPr>
+          <p:cNvSpPr>
+            <a:spLocks noGrp="1" noRot="1" noChangeAspect="1" noMove="1" noResize="1" noEditPoints="1" noAdjustHandles="1" noChangeArrowheads="1" noChangeShapeType="1" noTextEdit="1"/>
+          </p:cNvSpPr>
+          <p:nvPr>
+            <p:extLst>
+              <p:ext uri="{386F3935-93C4-4BCD-93E2-E3B085C9AB24}">
+                <p16:designElem xmlns:p16="http://schemas.microsoft.com/office/powerpoint/2015/main" val="1"/>
+              </p:ext>
+            </p:extLst>
+          </p:nvPr>
+        </p:nvSpPr>
+        <p:spPr bwMode="grayWhite">
           <a:xfrm>
             <a:off x="0" y="0"/>
             <a:ext cx="12192000" cy="6858000"/>
@@ -4293,57 +4563,21 @@
           </a:p>
         </p:txBody>
       </p:sp>
-      <p:sp>
-        <p:nvSpPr>
-          <p:cNvPr id="2" name="Titre 1">
+      <p:grpSp>
+        <p:nvGrpSpPr>
+          <p:cNvPr id="14" name="Group 13">
             <a:extLst>
               <a:ext uri="{FF2B5EF4-FFF2-40B4-BE49-F238E27FC236}">
-                <a16:creationId xmlns:a16="http://schemas.microsoft.com/office/drawing/2014/main" id="{03F1F40E-94A8-824E-9903-2DBFE4DD3AD8}"/>
-              </a:ext>
-            </a:extLst>
-          </p:cNvPr>
-          <p:cNvSpPr>
-            <a:spLocks noGrp="1"/>
-          </p:cNvSpPr>
-          <p:nvPr>
-            <p:ph type="title"/>
-          </p:nvPr>
-        </p:nvSpPr>
-        <p:spPr>
-          <a:xfrm>
-            <a:off x="3363864" y="685800"/>
-            <a:ext cx="7705164" cy="1485900"/>
-          </a:xfrm>
-        </p:spPr>
-        <p:txBody>
-          <a:bodyPr>
-            <a:normAutofit/>
-          </a:bodyPr>
-          <a:lstStyle/>
-          <a:p>
-            <a:r>
-              <a:rPr lang="fr-IE"/>
-              <a:t>Context</a:t>
-            </a:r>
-            <a:endParaRPr lang="fr-IE" dirty="0"/>
-          </a:p>
-        </p:txBody>
-      </p:sp>
-      <p:sp>
-        <p:nvSpPr>
-          <p:cNvPr id="14" name="Rectangle 9">
-            <a:extLst>
-              <a:ext uri="{FF2B5EF4-FFF2-40B4-BE49-F238E27FC236}">
-                <a16:creationId xmlns:a16="http://schemas.microsoft.com/office/drawing/2014/main" id="{891F40E4-8A76-44CF-91EC-907367352626}"/>
+                <a16:creationId xmlns:a16="http://schemas.microsoft.com/office/drawing/2014/main" id="{D6DCB3B1-E1A7-4510-831B-77C8EFF566AC}"/>
               </a:ext>
               <a:ext uri="{C183D7F6-B498-43B3-948B-1728B52AA6E4}">
                 <adec:decorative xmlns:adec="http://schemas.microsoft.com/office/drawing/2017/decorative" val="1"/>
               </a:ext>
             </a:extLst>
           </p:cNvPr>
-          <p:cNvSpPr>
-            <a:spLocks noGrp="1" noRot="1" noChangeAspect="1" noMove="1" noResize="1" noEditPoints="1" noAdjustHandles="1" noChangeArrowheads="1" noChangeShapeType="1" noTextEdit="1"/>
-          </p:cNvSpPr>
+          <p:cNvGrpSpPr>
+            <a:grpSpLocks noGrp="1" noUngrp="1" noRot="1" noChangeAspect="1" noMove="1" noResize="1"/>
+          </p:cNvGrpSpPr>
           <p:nvPr>
             <p:extLst>
               <p:ext uri="{386F3935-93C4-4BCD-93E2-E3B085C9AB24}">
@@ -4351,193 +4585,300 @@
               </p:ext>
             </p:extLst>
           </p:nvPr>
-        </p:nvSpPr>
-        <p:spPr>
-          <a:xfrm>
-            <a:off x="1" y="376"/>
-            <a:ext cx="3044410" cy="6857624"/>
-          </a:xfrm>
-          <a:prstGeom prst="rect">
+        </p:nvGrpSpPr>
+        <p:grpSpPr>
+          <a:xfrm>
+            <a:off x="752858" y="744469"/>
+            <a:ext cx="10674117" cy="5349671"/>
+            <a:chOff x="752858" y="744469"/>
+            <a:chExt cx="10674117" cy="5349671"/>
+          </a:xfrm>
+        </p:grpSpPr>
+        <p:sp>
+          <p:nvSpPr>
+            <p:cNvPr id="15" name="Freeform 6">
+              <a:extLst>
+                <a:ext uri="{FF2B5EF4-FFF2-40B4-BE49-F238E27FC236}">
+                  <a16:creationId xmlns:a16="http://schemas.microsoft.com/office/drawing/2014/main" id="{10132A3B-10CF-4EEB-BA1F-A63D2ED61D79}"/>
+                </a:ext>
+                <a:ext uri="{C183D7F6-B498-43B3-948B-1728B52AA6E4}">
+                  <adec:decorative xmlns:adec="http://schemas.microsoft.com/office/drawing/2017/decorative" val="1"/>
+                </a:ext>
+              </a:extLst>
+            </p:cNvPr>
+            <p:cNvSpPr/>
+            <p:nvPr>
+              <p:extLst>
+                <p:ext uri="{386F3935-93C4-4BCD-93E2-E3B085C9AB24}">
+                  <p16:designElem xmlns:p16="http://schemas.microsoft.com/office/powerpoint/2015/main" val="1"/>
+                </p:ext>
+              </p:extLst>
+            </p:nvPr>
+          </p:nvSpPr>
+          <p:spPr bwMode="auto">
+            <a:xfrm>
+              <a:off x="8151962" y="1685652"/>
+              <a:ext cx="3275013" cy="4408488"/>
+            </a:xfrm>
+            <a:custGeom>
+              <a:avLst/>
+              <a:gdLst/>
+              <a:ahLst/>
+              <a:cxnLst/>
+              <a:rect l="l" t="t" r="r" b="b"/>
+              <a:pathLst>
+                <a:path w="10000" h="10000">
+                  <a:moveTo>
+                    <a:pt x="8761" y="0"/>
+                  </a:moveTo>
+                  <a:lnTo>
+                    <a:pt x="10000" y="0"/>
+                  </a:lnTo>
+                  <a:lnTo>
+                    <a:pt x="10000" y="10000"/>
+                  </a:lnTo>
+                  <a:lnTo>
+                    <a:pt x="0" y="10000"/>
+                  </a:lnTo>
+                  <a:lnTo>
+                    <a:pt x="0" y="9126"/>
+                  </a:lnTo>
+                  <a:lnTo>
+                    <a:pt x="8761" y="9127"/>
+                  </a:lnTo>
+                  <a:lnTo>
+                    <a:pt x="8761" y="0"/>
+                  </a:lnTo>
+                  <a:close/>
+                </a:path>
+              </a:pathLst>
+            </a:custGeom>
+            <a:solidFill>
+              <a:schemeClr val="tx2"/>
+            </a:solidFill>
+            <a:ln w="0">
+              <a:noFill/>
+              <a:prstDash val="solid"/>
+              <a:round/>
+              <a:headEnd/>
+              <a:tailEnd/>
+            </a:ln>
+          </p:spPr>
+        </p:sp>
+        <p:sp>
+          <p:nvSpPr>
+            <p:cNvPr id="16" name="Freeform 6">
+              <a:extLst>
+                <a:ext uri="{FF2B5EF4-FFF2-40B4-BE49-F238E27FC236}">
+                  <a16:creationId xmlns:a16="http://schemas.microsoft.com/office/drawing/2014/main" id="{014E52ED-3C51-46E6-BE4B-14FFAB2C3DB8}"/>
+                </a:ext>
+                <a:ext uri="{C183D7F6-B498-43B3-948B-1728B52AA6E4}">
+                  <adec:decorative xmlns:adec="http://schemas.microsoft.com/office/drawing/2017/decorative" val="1"/>
+                </a:ext>
+              </a:extLst>
+            </p:cNvPr>
+            <p:cNvSpPr/>
+            <p:nvPr>
+              <p:extLst>
+                <p:ext uri="{386F3935-93C4-4BCD-93E2-E3B085C9AB24}">
+                  <p16:designElem xmlns:p16="http://schemas.microsoft.com/office/powerpoint/2015/main" val="1"/>
+                </p:ext>
+              </p:extLst>
+            </p:nvPr>
+          </p:nvSpPr>
+          <p:spPr bwMode="auto">
+            <a:xfrm flipH="1" flipV="1">
+              <a:off x="752858" y="744469"/>
+              <a:ext cx="3275668" cy="4408488"/>
+            </a:xfrm>
+            <a:custGeom>
+              <a:avLst/>
+              <a:gdLst/>
+              <a:ahLst/>
+              <a:cxnLst/>
+              <a:rect l="l" t="t" r="r" b="b"/>
+              <a:pathLst>
+                <a:path w="10002" h="10000">
+                  <a:moveTo>
+                    <a:pt x="8763" y="0"/>
+                  </a:moveTo>
+                  <a:lnTo>
+                    <a:pt x="10002" y="0"/>
+                  </a:lnTo>
+                  <a:lnTo>
+                    <a:pt x="10002" y="10000"/>
+                  </a:lnTo>
+                  <a:lnTo>
+                    <a:pt x="2" y="10000"/>
+                  </a:lnTo>
+                  <a:cubicBezTo>
+                    <a:pt x="-2" y="9698"/>
+                    <a:pt x="4" y="9427"/>
+                    <a:pt x="0" y="9125"/>
+                  </a:cubicBezTo>
+                  <a:lnTo>
+                    <a:pt x="8763" y="9128"/>
+                  </a:lnTo>
+                  <a:lnTo>
+                    <a:pt x="8763" y="0"/>
+                  </a:lnTo>
+                  <a:close/>
+                </a:path>
+              </a:pathLst>
+            </a:custGeom>
+            <a:solidFill>
+              <a:schemeClr val="tx2"/>
+            </a:solidFill>
+            <a:ln w="0">
+              <a:noFill/>
+              <a:prstDash val="solid"/>
+              <a:round/>
+              <a:headEnd/>
+              <a:tailEnd/>
+            </a:ln>
+          </p:spPr>
+        </p:sp>
+      </p:grpSp>
+      <p:sp>
+        <p:nvSpPr>
+          <p:cNvPr id="2" name="Titre 1">
+            <a:extLst>
+              <a:ext uri="{FF2B5EF4-FFF2-40B4-BE49-F238E27FC236}">
+                <a16:creationId xmlns:a16="http://schemas.microsoft.com/office/drawing/2014/main" id="{B83EDE95-DBE8-C944-ADB5-F225F5B0D0C1}"/>
+              </a:ext>
+            </a:extLst>
+          </p:cNvPr>
+          <p:cNvSpPr>
+            <a:spLocks noGrp="1"/>
+          </p:cNvSpPr>
+          <p:nvPr>
+            <p:ph type="title"/>
+          </p:nvPr>
+        </p:nvSpPr>
+        <p:spPr>
+          <a:xfrm>
+            <a:off x="1478521" y="1480930"/>
+            <a:ext cx="5751537" cy="3848521"/>
+          </a:xfrm>
+        </p:spPr>
+        <p:txBody>
+          <a:bodyPr vert="horz" lIns="91440" tIns="45720" rIns="91440" bIns="45720" rtlCol="0" anchor="ctr">
+            <a:normAutofit/>
+          </a:bodyPr>
+          <a:lstStyle/>
+          <a:p>
+            <a:pPr algn="r"/>
+            <a:r>
+              <a:rPr lang="en-US" sz="6600" cap="all" dirty="0"/>
+              <a:t>Question</a:t>
+            </a:r>
+          </a:p>
+        </p:txBody>
+      </p:sp>
+      <p:sp>
+        <p:nvSpPr>
+          <p:cNvPr id="3" name="Espace réservé du contenu 2">
+            <a:extLst>
+              <a:ext uri="{FF2B5EF4-FFF2-40B4-BE49-F238E27FC236}">
+                <a16:creationId xmlns:a16="http://schemas.microsoft.com/office/drawing/2014/main" id="{DA8445EF-0C6D-F149-8086-8E1351A7A611}"/>
+              </a:ext>
+            </a:extLst>
+          </p:cNvPr>
+          <p:cNvSpPr>
+            <a:spLocks noGrp="1"/>
+          </p:cNvSpPr>
+          <p:nvPr>
+            <p:ph idx="1"/>
+          </p:nvPr>
+        </p:nvSpPr>
+        <p:spPr>
+          <a:xfrm>
+            <a:off x="8119870" y="1480929"/>
+            <a:ext cx="2593610" cy="3848522"/>
+          </a:xfrm>
+        </p:spPr>
+        <p:txBody>
+          <a:bodyPr vert="horz" lIns="91440" tIns="45720" rIns="91440" bIns="45720" rtlCol="0" anchor="ctr">
+            <a:normAutofit/>
+          </a:bodyPr>
+          <a:lstStyle/>
+          <a:p>
+            <a:pPr marL="0" indent="0">
+              <a:lnSpc>
+                <a:spcPct val="112000"/>
+              </a:lnSpc>
+              <a:spcBef>
+                <a:spcPts val="0"/>
+              </a:spcBef>
+              <a:spcAft>
+                <a:spcPts val="600"/>
+              </a:spcAft>
+              <a:buNone/>
+            </a:pPr>
+            <a:r>
+              <a:rPr lang="en-US" sz="2300" dirty="0"/>
+              <a:t>Can we automate the decision making for a payment fraud detection system using machine learning?</a:t>
+            </a:r>
+          </a:p>
+        </p:txBody>
+      </p:sp>
+      <p:cxnSp>
+        <p:nvCxnSpPr>
+          <p:cNvPr id="18" name="Straight Connector 17">
+            <a:extLst>
+              <a:ext uri="{FF2B5EF4-FFF2-40B4-BE49-F238E27FC236}">
+                <a16:creationId xmlns:a16="http://schemas.microsoft.com/office/drawing/2014/main" id="{6116DDC6-8F07-46CC-8751-E5C9346B2A08}"/>
+              </a:ext>
+              <a:ext uri="{C183D7F6-B498-43B3-948B-1728B52AA6E4}">
+                <adec:decorative xmlns:adec="http://schemas.microsoft.com/office/drawing/2017/decorative" val="1"/>
+              </a:ext>
+            </a:extLst>
+          </p:cNvPr>
+          <p:cNvCxnSpPr>
+            <a:cxnSpLocks noGrp="1" noRot="1" noChangeAspect="1" noMove="1" noResize="1" noEditPoints="1" noAdjustHandles="1" noChangeArrowheads="1" noChangeShapeType="1"/>
+          </p:cNvCxnSpPr>
+          <p:nvPr>
+            <p:extLst>
+              <p:ext uri="{386F3935-93C4-4BCD-93E2-E3B085C9AB24}">
+                <p16:designElem xmlns:p16="http://schemas.microsoft.com/office/powerpoint/2015/main" val="1"/>
+              </p:ext>
+            </p:extLst>
+          </p:nvPr>
+        </p:nvCxnSpPr>
+        <p:spPr>
+          <a:xfrm>
+            <a:off x="7674964" y="2388358"/>
+            <a:ext cx="0" cy="1856096"/>
+          </a:xfrm>
+          <a:prstGeom prst="line">
             <a:avLst/>
           </a:prstGeom>
-          <a:solidFill>
+          <a:ln w="25400" cap="sq">
+            <a:solidFill>
+              <a:schemeClr val="tx1"/>
+            </a:solidFill>
+            <a:miter lim="800000"/>
+          </a:ln>
+        </p:spPr>
+        <p:style>
+          <a:lnRef idx="1">
             <a:schemeClr val="accent1"/>
-          </a:solidFill>
-          <a:ln>
-            <a:noFill/>
-          </a:ln>
-        </p:spPr>
-        <p:style>
-          <a:lnRef idx="2">
-            <a:schemeClr val="accent1">
-              <a:shade val="50000"/>
-            </a:schemeClr>
           </a:lnRef>
-          <a:fillRef idx="1">
+          <a:fillRef idx="0">
             <a:schemeClr val="accent1"/>
           </a:fillRef>
           <a:effectRef idx="0">
             <a:schemeClr val="accent1"/>
           </a:effectRef>
           <a:fontRef idx="minor">
-            <a:schemeClr val="lt1"/>
+            <a:schemeClr val="tx1"/>
           </a:fontRef>
         </p:style>
-      </p:sp>
-      <p:sp>
-        <p:nvSpPr>
-          <p:cNvPr id="12" name="Rectangle 11">
-            <a:extLst>
-              <a:ext uri="{FF2B5EF4-FFF2-40B4-BE49-F238E27FC236}">
-                <a16:creationId xmlns:a16="http://schemas.microsoft.com/office/drawing/2014/main" id="{72171013-D973-4187-9CF2-EE098EEF8194}"/>
-              </a:ext>
-              <a:ext uri="{C183D7F6-B498-43B3-948B-1728B52AA6E4}">
-                <adec:decorative xmlns:adec="http://schemas.microsoft.com/office/drawing/2017/decorative" val="1"/>
-              </a:ext>
-            </a:extLst>
-          </p:cNvPr>
-          <p:cNvSpPr>
-            <a:spLocks noGrp="1" noRot="1" noChangeAspect="1" noMove="1" noResize="1" noEditPoints="1" noAdjustHandles="1" noChangeArrowheads="1" noChangeShapeType="1" noTextEdit="1"/>
-          </p:cNvSpPr>
-          <p:nvPr>
-            <p:extLst>
-              <p:ext uri="{386F3935-93C4-4BCD-93E2-E3B085C9AB24}">
-                <p16:designElem xmlns:p16="http://schemas.microsoft.com/office/powerpoint/2015/main" val="1"/>
-              </p:ext>
-            </p:extLst>
-          </p:nvPr>
-        </p:nvSpPr>
-        <p:spPr>
-          <a:xfrm>
-            <a:off x="2815810" y="376"/>
-            <a:ext cx="228600" cy="6858000"/>
-          </a:xfrm>
-          <a:prstGeom prst="rect">
-            <a:avLst/>
-          </a:prstGeom>
-          <a:solidFill>
-            <a:schemeClr val="tx2"/>
-          </a:solidFill>
-          <a:ln>
-            <a:noFill/>
-          </a:ln>
-        </p:spPr>
-        <p:style>
-          <a:lnRef idx="2">
-            <a:schemeClr val="accent1">
-              <a:shade val="50000"/>
-            </a:schemeClr>
-          </a:lnRef>
-          <a:fillRef idx="1">
-            <a:schemeClr val="accent1"/>
-          </a:fillRef>
-          <a:effectRef idx="0">
-            <a:schemeClr val="accent1"/>
-          </a:effectRef>
-          <a:fontRef idx="minor">
-            <a:schemeClr val="lt1"/>
-          </a:fontRef>
-        </p:style>
-      </p:sp>
-      <p:sp>
-        <p:nvSpPr>
-          <p:cNvPr id="3" name="Espace réservé du contenu 2">
-            <a:extLst>
-              <a:ext uri="{FF2B5EF4-FFF2-40B4-BE49-F238E27FC236}">
-                <a16:creationId xmlns:a16="http://schemas.microsoft.com/office/drawing/2014/main" id="{E4EA0391-04DF-A346-9D8D-4D242781602A}"/>
-              </a:ext>
-            </a:extLst>
-          </p:cNvPr>
-          <p:cNvSpPr>
-            <a:spLocks noGrp="1"/>
-          </p:cNvSpPr>
-          <p:nvPr>
-            <p:ph idx="1"/>
-          </p:nvPr>
-        </p:nvSpPr>
-        <p:spPr>
-          <a:xfrm>
-            <a:off x="3363864" y="2286000"/>
-            <a:ext cx="7705164" cy="3581400"/>
-          </a:xfrm>
-        </p:spPr>
-        <p:txBody>
-          <a:bodyPr>
-            <a:normAutofit/>
-          </a:bodyPr>
-          <a:lstStyle/>
-          <a:p>
-            <a:r>
-              <a:rPr lang="en-GB" dirty="0"/>
-              <a:t>From 2011 to 2020, on credit card only, the amount of fraud rise from USD 9.84 billion to USD 32.39 billion</a:t>
-            </a:r>
-          </a:p>
-          <a:p>
-            <a:r>
-              <a:rPr lang="en-GB" dirty="0"/>
-              <a:t>High volume of transactions (188 B in 2020 for Visa only) that request real time responses</a:t>
-            </a:r>
-          </a:p>
-          <a:p>
-            <a:pPr marL="0" indent="0">
-              <a:buNone/>
-            </a:pPr>
-            <a:endParaRPr lang="en-GB" dirty="0"/>
-          </a:p>
-          <a:p>
-            <a:r>
-              <a:rPr lang="en-GB" dirty="0"/>
-              <a:t>Due to sensitive information, there is no public database from CC/payments companies</a:t>
-            </a:r>
-          </a:p>
-          <a:p>
-            <a:r>
-              <a:rPr lang="en-GB" dirty="0"/>
-              <a:t>The project will use a log generator from </a:t>
-            </a:r>
-            <a:r>
-              <a:rPr lang="en-GB" dirty="0">
-                <a:hlinkClick r:id="rId2"/>
-              </a:rPr>
-              <a:t>fraud detection handbook</a:t>
-            </a:r>
-            <a:r>
-              <a:rPr lang="en-GB" dirty="0"/>
-              <a:t> by </a:t>
-            </a:r>
-            <a:r>
-              <a:rPr lang="en-GB" dirty="0">
-                <a:hlinkClick r:id="rId3"/>
-              </a:rPr>
-              <a:t>Yann-Aël Le Borgne</a:t>
-            </a:r>
-            <a:r>
-              <a:rPr lang="en-GB" dirty="0"/>
-              <a:t> and </a:t>
-            </a:r>
-            <a:r>
-              <a:rPr lang="en-GB" dirty="0">
-                <a:hlinkClick r:id="rId4"/>
-              </a:rPr>
-              <a:t>Gianluca Bontempi</a:t>
-            </a:r>
-            <a:r>
-              <a:rPr lang="en-GB" dirty="0"/>
-              <a:t> </a:t>
-            </a:r>
-          </a:p>
-          <a:p>
-            <a:endParaRPr lang="en-GB" dirty="0"/>
-          </a:p>
-          <a:p>
-            <a:endParaRPr lang="en-GB" dirty="0"/>
-          </a:p>
-        </p:txBody>
-      </p:sp>
+      </p:cxnSp>
     </p:spTree>
     <p:extLst>
       <p:ext uri="{BB962C8B-B14F-4D97-AF65-F5344CB8AC3E}">
-        <p14:creationId xmlns:p14="http://schemas.microsoft.com/office/powerpoint/2010/main" val="2356264295"/>
+        <p14:creationId xmlns:p14="http://schemas.microsoft.com/office/powerpoint/2010/main" val="2273245186"/>
       </p:ext>
     </p:extLst>
   </p:cSld>
@@ -4574,7 +4915,7 @@
       </p:grpSpPr>
       <p:sp useBgFill="1">
         <p:nvSpPr>
-          <p:cNvPr id="8" name="Rectangle 7">
+          <p:cNvPr id="13" name="Rectangle 7">
             <a:extLst>
               <a:ext uri="{FF2B5EF4-FFF2-40B4-BE49-F238E27FC236}">
                 <a16:creationId xmlns:a16="http://schemas.microsoft.com/office/drawing/2014/main" id="{32812C54-7AEF-4ABB-826E-221F51CB0F30}"/>
@@ -4637,7 +4978,7 @@
           <p:cNvPr id="2" name="Titre 1">
             <a:extLst>
               <a:ext uri="{FF2B5EF4-FFF2-40B4-BE49-F238E27FC236}">
-                <a16:creationId xmlns:a16="http://schemas.microsoft.com/office/drawing/2014/main" id="{8510E983-E24C-8746-BCF7-1EEF605710AF}"/>
+                <a16:creationId xmlns:a16="http://schemas.microsoft.com/office/drawing/2014/main" id="{03F1F40E-94A8-824E-9903-2DBFE4DD3AD8}"/>
               </a:ext>
             </a:extLst>
           </p:cNvPr>
@@ -4661,15 +5002,16 @@
           <a:lstStyle/>
           <a:p>
             <a:r>
-              <a:rPr lang="fr-IE" dirty="0"/>
-              <a:t>Data</a:t>
-            </a:r>
-          </a:p>
-        </p:txBody>
-      </p:sp>
-      <p:sp>
-        <p:nvSpPr>
-          <p:cNvPr id="10" name="Rectangle 9">
+              <a:rPr lang="fr-IE"/>
+              <a:t>Context</a:t>
+            </a:r>
+            <a:endParaRPr lang="fr-IE" dirty="0"/>
+          </a:p>
+        </p:txBody>
+      </p:sp>
+      <p:sp>
+        <p:nvSpPr>
+          <p:cNvPr id="14" name="Rectangle 9">
             <a:extLst>
               <a:ext uri="{FF2B5EF4-FFF2-40B4-BE49-F238E27FC236}">
                 <a16:creationId xmlns:a16="http://schemas.microsoft.com/office/drawing/2014/main" id="{891F40E4-8A76-44CF-91EC-907367352626}"/>
@@ -4782,7 +5124,7 @@
           <p:cNvPr id="3" name="Espace réservé du contenu 2">
             <a:extLst>
               <a:ext uri="{FF2B5EF4-FFF2-40B4-BE49-F238E27FC236}">
-                <a16:creationId xmlns:a16="http://schemas.microsoft.com/office/drawing/2014/main" id="{9B72AB76-90FF-6F45-9962-0E024227B55F}"/>
+                <a16:creationId xmlns:a16="http://schemas.microsoft.com/office/drawing/2014/main" id="{E4EA0391-04DF-A346-9D8D-4D242781602A}"/>
               </a:ext>
             </a:extLst>
           </p:cNvPr>
@@ -4806,91 +5148,70 @@
           <a:lstStyle/>
           <a:p>
             <a:r>
-              <a:rPr lang="en-GB" sz="1300" dirty="0"/>
-              <a:t>3 Databases</a:t>
-            </a:r>
-          </a:p>
-          <a:p>
-            <a:pPr marL="914400" lvl="1" indent="-457200">
-              <a:buFont typeface="+mj-lt"/>
-              <a:buAutoNum type="arabicPeriod"/>
+              <a:rPr lang="en-GB" dirty="0"/>
+              <a:t>From 2011 to 2020, on credit card only, the amount of fraud rose from US$ 9.84 billion to US$ 32.39 billion</a:t>
+            </a:r>
+          </a:p>
+          <a:p>
+            <a:r>
+              <a:rPr lang="en-GB" dirty="0"/>
+              <a:t>High volume of transactions (188 B in 2020 for Visa only) that request real time responses</a:t>
+            </a:r>
+          </a:p>
+          <a:p>
+            <a:r>
+              <a:rPr lang="en-GB" dirty="0"/>
+              <a:t>Due to the nature of the information, there is no public database from CC/payments companies</a:t>
+            </a:r>
+          </a:p>
+          <a:p>
+            <a:r>
+              <a:rPr lang="en-GB" dirty="0"/>
+              <a:t>The project will use a generator from </a:t>
+            </a:r>
+            <a:r>
+              <a:rPr lang="en-GB" dirty="0">
+                <a:hlinkClick r:id="rId2"/>
+              </a:rPr>
+              <a:t>fraud detection handbook</a:t>
+            </a:r>
+            <a:r>
+              <a:rPr lang="en-GB" dirty="0"/>
+              <a:t> by </a:t>
+            </a:r>
+            <a:r>
+              <a:rPr lang="en-GB" dirty="0">
+                <a:hlinkClick r:id="rId3"/>
+              </a:rPr>
+              <a:t>Yann-Aël Le Borgne</a:t>
+            </a:r>
+            <a:r>
+              <a:rPr lang="en-GB" dirty="0"/>
+              <a:t> and </a:t>
+            </a:r>
+            <a:r>
+              <a:rPr lang="en-GB" dirty="0">
+                <a:hlinkClick r:id="rId4"/>
+              </a:rPr>
+              <a:t>Gianluca Bontempi</a:t>
+            </a:r>
+            <a:r>
+              <a:rPr lang="en-GB" dirty="0"/>
+              <a:t> </a:t>
+            </a:r>
+          </a:p>
+          <a:p>
+            <a:pPr marL="0" indent="0">
+              <a:buNone/>
             </a:pPr>
-            <a:r>
-              <a:rPr lang="en-GB" sz="1300" dirty="0"/>
-              <a:t>5000 unique customers</a:t>
-            </a:r>
-          </a:p>
-          <a:p>
-            <a:pPr marL="914400" lvl="1" indent="-457200">
-              <a:buFont typeface="+mj-lt"/>
-              <a:buAutoNum type="arabicPeriod"/>
-            </a:pPr>
-            <a:r>
-              <a:rPr lang="en-GB" sz="1300" dirty="0"/>
-              <a:t>1000 unique terminals</a:t>
-            </a:r>
-          </a:p>
-          <a:p>
-            <a:pPr lvl="1" indent="-457200">
-              <a:buFont typeface="+mj-lt"/>
-              <a:buAutoNum type="arabicPeriod"/>
-            </a:pPr>
-            <a:r>
-              <a:rPr lang="en-GB" sz="1300" dirty="0"/>
-              <a:t>180 days of transactions </a:t>
-            </a:r>
-            <a:r>
-              <a:rPr lang="en-GB" sz="1300"/>
-              <a:t>history (1 754 155 </a:t>
-            </a:r>
-            <a:r>
-              <a:rPr lang="en-GB" sz="1300" dirty="0"/>
-              <a:t>transactions in total)</a:t>
-            </a:r>
-          </a:p>
-          <a:p>
-            <a:endParaRPr lang="en-GB" sz="1300" dirty="0"/>
-          </a:p>
-          <a:p>
-            <a:r>
-              <a:rPr lang="en-GB" sz="1300" dirty="0"/>
-              <a:t>Fraud scenario</a:t>
-            </a:r>
-          </a:p>
-          <a:p>
-            <a:pPr lvl="1"/>
-            <a:r>
-              <a:rPr lang="en-GB" sz="1300" dirty="0"/>
-              <a:t>Scenario 1: Any transaction whose amount is more than 220 is a fraud</a:t>
-            </a:r>
-          </a:p>
-          <a:p>
-            <a:pPr lvl="1"/>
-            <a:r>
-              <a:rPr lang="en-GB" sz="1300" dirty="0"/>
-              <a:t>Scenario 2: Every day, a list of 6 terminals is drawn at random. All transactions on these terminals in the next 28 days will be marked as fraudulent. </a:t>
-            </a:r>
-          </a:p>
-          <a:p>
-            <a:pPr lvl="1"/>
-            <a:r>
-              <a:rPr lang="en-GB" sz="1300" dirty="0"/>
-              <a:t>Scenario 3: Every day, a list of 6 customers is drawn at random. In the next 14 days, 1/3 of their transactions have their amounts multiplied by 5 and marked as fraudulent. </a:t>
-            </a:r>
-          </a:p>
-          <a:p>
-            <a:pPr lvl="1"/>
-            <a:r>
-              <a:rPr lang="en-GB" sz="1300" dirty="0"/>
-              <a:t>Scenario 4 : Every day a list of 4 customer is drawn at random. In the next 3 days every transaction have their amount multiplied by a random number between 3 and 6. </a:t>
-            </a:r>
+            <a:endParaRPr lang="en-GB" dirty="0"/>
           </a:p>
         </p:txBody>
       </p:sp>
     </p:spTree>
     <p:extLst>
       <p:ext uri="{BB962C8B-B14F-4D97-AF65-F5344CB8AC3E}">
-        <p14:creationId xmlns:p14="http://schemas.microsoft.com/office/powerpoint/2010/main" val="2695414846"/>
+        <p14:creationId xmlns:p14="http://schemas.microsoft.com/office/powerpoint/2010/main" val="2356264295"/>
       </p:ext>
     </p:extLst>
   </p:cSld>
@@ -4990,7 +5311,7 @@
           <p:cNvPr id="2" name="Titre 1">
             <a:extLst>
               <a:ext uri="{FF2B5EF4-FFF2-40B4-BE49-F238E27FC236}">
-                <a16:creationId xmlns:a16="http://schemas.microsoft.com/office/drawing/2014/main" id="{5B9AAC0C-69B6-904E-8ED8-F48441813C67}"/>
+                <a16:creationId xmlns:a16="http://schemas.microsoft.com/office/drawing/2014/main" id="{8510E983-E24C-8746-BCF7-1EEF605710AF}"/>
               </a:ext>
             </a:extLst>
           </p:cNvPr>
@@ -5015,7 +5336,7 @@
           <a:p>
             <a:r>
               <a:rPr lang="fr-IE" dirty="0"/>
-              <a:t>Model results</a:t>
+              <a:t>Data</a:t>
             </a:r>
           </a:p>
         </p:txBody>
@@ -5135,7 +5456,7 @@
           <p:cNvPr id="3" name="Espace réservé du contenu 2">
             <a:extLst>
               <a:ext uri="{FF2B5EF4-FFF2-40B4-BE49-F238E27FC236}">
-                <a16:creationId xmlns:a16="http://schemas.microsoft.com/office/drawing/2014/main" id="{FC5521FF-98C7-534A-B21B-F925184317D2}"/>
+                <a16:creationId xmlns:a16="http://schemas.microsoft.com/office/drawing/2014/main" id="{9B72AB76-90FF-6F45-9962-0E024227B55F}"/>
               </a:ext>
             </a:extLst>
           </p:cNvPr>
@@ -5148,61 +5469,104 @@
         </p:nvSpPr>
         <p:spPr>
           <a:xfrm>
-            <a:off x="3363864" y="2286000"/>
-            <a:ext cx="7705164" cy="3581400"/>
+            <a:off x="3363863" y="2286000"/>
+            <a:ext cx="7819951" cy="3581400"/>
           </a:xfrm>
         </p:spPr>
         <p:txBody>
           <a:bodyPr>
-            <a:normAutofit/>
+            <a:normAutofit lnSpcReduction="10000"/>
           </a:bodyPr>
           <a:lstStyle/>
           <a:p>
             <a:r>
-              <a:rPr lang="fr-IE" dirty="0"/>
-              <a:t>R</a:t>
-            </a:r>
-            <a:r>
-              <a:rPr lang="fr-FR" dirty="0"/>
-              <a:t>a</a:t>
-            </a:r>
-            <a:r>
-              <a:rPr lang="fr-IE" dirty="0"/>
-              <a:t>ndom forest</a:t>
+              <a:rPr lang="en-GB" sz="1300" dirty="0"/>
+              <a:t>3 Datasets generated</a:t>
+            </a:r>
+          </a:p>
+          <a:p>
+            <a:pPr marL="914400" lvl="1" indent="-457200">
+              <a:buFont typeface="+mj-lt"/>
+              <a:buAutoNum type="arabicPeriod"/>
+            </a:pPr>
+            <a:r>
+              <a:rPr lang="en-GB" sz="1300" dirty="0"/>
+              <a:t>5000 unique customers</a:t>
+            </a:r>
+          </a:p>
+          <a:p>
+            <a:pPr marL="914400" lvl="1" indent="-457200">
+              <a:buFont typeface="+mj-lt"/>
+              <a:buAutoNum type="arabicPeriod"/>
+            </a:pPr>
+            <a:r>
+              <a:rPr lang="en-GB" sz="1300" dirty="0"/>
+              <a:t>1000 unique terminals</a:t>
+            </a:r>
+          </a:p>
+          <a:p>
+            <a:pPr lvl="1" indent="-457200">
+              <a:buFont typeface="+mj-lt"/>
+              <a:buAutoNum type="arabicPeriod"/>
+            </a:pPr>
+            <a:r>
+              <a:rPr lang="en-GB" sz="1300" dirty="0"/>
+              <a:t>180 days of transactions history </a:t>
+            </a:r>
+          </a:p>
+          <a:p>
+            <a:pPr lvl="2" indent="-457200">
+              <a:buFont typeface="+mj-lt"/>
+              <a:buAutoNum type="arabicPeriod"/>
+            </a:pPr>
+            <a:r>
+              <a:rPr lang="en-GB" sz="1100" dirty="0"/>
+              <a:t>1 754 155 transactions in total</a:t>
+            </a:r>
+          </a:p>
+          <a:p>
+            <a:pPr lvl="2" indent="-457200">
+              <a:buFont typeface="+mj-lt"/>
+              <a:buAutoNum type="arabicPeriod"/>
+            </a:pPr>
+            <a:r>
+              <a:rPr lang="en-GB" sz="1100" dirty="0"/>
+              <a:t>16 029 Fraudulent transaction (0,91% of the total transaction count)</a:t>
+            </a:r>
+            <a:endParaRPr lang="en-GB" sz="1300" dirty="0"/>
+          </a:p>
+          <a:p>
+            <a:r>
+              <a:rPr lang="en-GB" sz="1300" dirty="0"/>
+              <a:t>Fraud scenario</a:t>
             </a:r>
           </a:p>
           <a:p>
             <a:pPr lvl="1"/>
             <a:r>
-              <a:rPr lang="fr-IE" dirty="0"/>
-              <a:t>Score</a:t>
+              <a:rPr lang="en-GB" sz="1300" dirty="0"/>
+              <a:t>Scenario 1: Any transaction whose amount is more than 220 is a fraud</a:t>
             </a:r>
           </a:p>
           <a:p>
             <a:pPr lvl="1"/>
             <a:r>
-              <a:rPr lang="fr-IE" dirty="0"/>
-              <a:t>Confusion matrix	</a:t>
-            </a:r>
-          </a:p>
-          <a:p>
-            <a:r>
-              <a:rPr lang="fr-IE" dirty="0"/>
-              <a:t>XG Boost classifier</a:t>
+              <a:rPr lang="en-GB" sz="1300" dirty="0"/>
+              <a:t>Scenario 2: Every day, a list of 6 terminals is drawn at random. All transactions on these terminals in the next 28 days will be marked as fraudulent. </a:t>
             </a:r>
           </a:p>
           <a:p>
             <a:pPr lvl="1"/>
             <a:r>
-              <a:rPr lang="fr-IE" dirty="0"/>
-              <a:t>Score</a:t>
+              <a:rPr lang="en-GB" sz="1300" dirty="0"/>
+              <a:t>Scenario 3: Every day, a list of 6 customers is drawn at random. In the next 14 days, 1/3 of their transactions have their amounts multiplied by 5 and marked as fraudulent. </a:t>
             </a:r>
           </a:p>
           <a:p>
             <a:pPr lvl="1"/>
             <a:r>
-              <a:rPr lang="fr-IE" dirty="0"/>
-              <a:t>Confusion matrix</a:t>
+              <a:rPr lang="en-GB" sz="1300" dirty="0"/>
+              <a:t>Scenario 4 : Every day a list of 4 customers is drawn at random. In the next 3 days every transaction have their amount multiplied by a random number between 3 and 6.</a:t>
             </a:r>
           </a:p>
         </p:txBody>
@@ -5210,7 +5574,7 @@
     </p:spTree>
     <p:extLst>
       <p:ext uri="{BB962C8B-B14F-4D97-AF65-F5344CB8AC3E}">
-        <p14:creationId xmlns:p14="http://schemas.microsoft.com/office/powerpoint/2010/main" val="1524731341"/>
+        <p14:creationId xmlns:p14="http://schemas.microsoft.com/office/powerpoint/2010/main" val="2695414846"/>
       </p:ext>
     </p:extLst>
   </p:cSld>
@@ -5247,10 +5611,10 @@
       </p:grpSpPr>
       <p:sp useBgFill="1">
         <p:nvSpPr>
-          <p:cNvPr id="14" name="Rectangle 7">
+          <p:cNvPr id="8" name="Rectangle 7">
             <a:extLst>
               <a:ext uri="{FF2B5EF4-FFF2-40B4-BE49-F238E27FC236}">
-                <a16:creationId xmlns:a16="http://schemas.microsoft.com/office/drawing/2014/main" id="{7C159B63-C56D-4E4E-8B07-40A1346DC926}"/>
+                <a16:creationId xmlns:a16="http://schemas.microsoft.com/office/drawing/2014/main" id="{32812C54-7AEF-4ABB-826E-221F51CB0F30}"/>
               </a:ext>
               <a:ext uri="{C183D7F6-B498-43B3-948B-1728B52AA6E4}">
                 <adec:decorative xmlns:adec="http://schemas.microsoft.com/office/drawing/2017/decorative" val="1"/>
@@ -5268,7 +5632,7 @@
             </p:extLst>
           </p:nvPr>
         </p:nvSpPr>
-        <p:spPr bwMode="grayWhite">
+        <p:spPr>
           <a:xfrm>
             <a:off x="0" y="0"/>
             <a:ext cx="12192000" cy="6858000"/>
@@ -5310,7 +5674,7 @@
           <p:cNvPr id="2" name="Titre 1">
             <a:extLst>
               <a:ext uri="{FF2B5EF4-FFF2-40B4-BE49-F238E27FC236}">
-                <a16:creationId xmlns:a16="http://schemas.microsoft.com/office/drawing/2014/main" id="{4BDD5C3D-AA00-BB4C-AB67-6C2B58527D5E}"/>
+                <a16:creationId xmlns:a16="http://schemas.microsoft.com/office/drawing/2014/main" id="{5B9AAC0C-69B6-904E-8ED8-F48441813C67}"/>
               </a:ext>
             </a:extLst>
           </p:cNvPr>
@@ -5323,8 +5687,8 @@
         </p:nvSpPr>
         <p:spPr>
           <a:xfrm>
-            <a:off x="967902" y="1194180"/>
-            <a:ext cx="3523938" cy="5020353"/>
+            <a:off x="3363864" y="685800"/>
+            <a:ext cx="7705164" cy="1485900"/>
           </a:xfrm>
         </p:spPr>
         <p:txBody>
@@ -5334,18 +5698,19 @@
           <a:lstStyle/>
           <a:p>
             <a:r>
-              <a:rPr lang="fr-IE" dirty="0"/>
-              <a:t>Combined</a:t>
-            </a:r>
-          </a:p>
-        </p:txBody>
-      </p:sp>
-      <p:sp>
-        <p:nvSpPr>
-          <p:cNvPr id="15" name="Rectangle 9">
+              <a:rPr lang="fr-IE"/>
+              <a:t>Model results</a:t>
+            </a:r>
+            <a:endParaRPr lang="fr-IE" dirty="0"/>
+          </a:p>
+        </p:txBody>
+      </p:sp>
+      <p:sp>
+        <p:nvSpPr>
+          <p:cNvPr id="10" name="Rectangle 9">
             <a:extLst>
               <a:ext uri="{FF2B5EF4-FFF2-40B4-BE49-F238E27FC236}">
-                <a16:creationId xmlns:a16="http://schemas.microsoft.com/office/drawing/2014/main" id="{27DEF201-077E-444A-A3F0-66E14253572F}"/>
+                <a16:creationId xmlns:a16="http://schemas.microsoft.com/office/drawing/2014/main" id="{891F40E4-8A76-44CF-91EC-907367352626}"/>
               </a:ext>
               <a:ext uri="{C183D7F6-B498-43B3-948B-1728B52AA6E4}">
                 <adec:decorative xmlns:adec="http://schemas.microsoft.com/office/drawing/2017/decorative" val="1"/>
@@ -5365,14 +5730,14 @@
         </p:nvSpPr>
         <p:spPr>
           <a:xfrm>
-            <a:off x="478095" y="376"/>
-            <a:ext cx="228600" cy="6858000"/>
+            <a:off x="1" y="376"/>
+            <a:ext cx="3044410" cy="6857624"/>
           </a:xfrm>
           <a:prstGeom prst="rect">
             <a:avLst/>
           </a:prstGeom>
           <a:solidFill>
-            <a:schemeClr val="tx2"/>
+            <a:schemeClr val="accent1"/>
           </a:solidFill>
           <a:ln>
             <a:noFill/>
@@ -5397,79 +5762,153 @@
       </p:sp>
       <p:sp>
         <p:nvSpPr>
-          <p:cNvPr id="3" name="Espace réservé du contenu 2">
+          <p:cNvPr id="12" name="Rectangle 11">
             <a:extLst>
               <a:ext uri="{FF2B5EF4-FFF2-40B4-BE49-F238E27FC236}">
-                <a16:creationId xmlns:a16="http://schemas.microsoft.com/office/drawing/2014/main" id="{587FF890-7039-9541-9812-F48DC9830C72}"/>
+                <a16:creationId xmlns:a16="http://schemas.microsoft.com/office/drawing/2014/main" id="{72171013-D973-4187-9CF2-EE098EEF8194}"/>
+              </a:ext>
+              <a:ext uri="{C183D7F6-B498-43B3-948B-1728B52AA6E4}">
+                <adec:decorative xmlns:adec="http://schemas.microsoft.com/office/drawing/2017/decorative" val="1"/>
               </a:ext>
             </a:extLst>
           </p:cNvPr>
           <p:cNvSpPr>
-            <a:spLocks noGrp="1"/>
-          </p:cNvSpPr>
-          <p:nvPr>
-            <p:ph idx="1"/>
-          </p:nvPr>
-        </p:nvSpPr>
-        <p:spPr>
-          <a:xfrm>
-            <a:off x="5056541" y="1194179"/>
-            <a:ext cx="6114847" cy="5020353"/>
-          </a:xfrm>
-        </p:spPr>
-        <p:txBody>
-          <a:bodyPr>
-            <a:normAutofit/>
-          </a:bodyPr>
-          <a:lstStyle/>
-          <a:p>
-            <a:r>
-              <a:rPr lang="fr-IE" dirty="0"/>
-              <a:t>Settings</a:t>
-            </a:r>
-          </a:p>
-          <a:p>
-            <a:pPr lvl="1"/>
-            <a:r>
-              <a:rPr lang="fr-IE" dirty="0"/>
-              <a:t>If both models are giving the same result the transaction is directly allowed or denied</a:t>
-            </a:r>
-          </a:p>
-          <a:p>
-            <a:pPr lvl="1"/>
-            <a:r>
-              <a:rPr lang="fr-IE" dirty="0"/>
-              <a:t>If their decision are not identical the transaction go to manual review </a:t>
-            </a:r>
-          </a:p>
-          <a:p>
-            <a:r>
-              <a:rPr lang="fr-IE" dirty="0"/>
-              <a:t>Accuracy</a:t>
-            </a:r>
-          </a:p>
-          <a:p>
-            <a:r>
-              <a:rPr lang="fr-IE" dirty="0"/>
-              <a:t>Graphique</a:t>
-            </a:r>
-          </a:p>
-          <a:p>
-            <a:r>
-              <a:rPr lang="fr-FR" dirty="0" err="1"/>
-              <a:t>T</a:t>
-            </a:r>
-            <a:r>
-              <a:rPr lang="fr-IE" dirty="0"/>
-              <a:t>ableau pour un million de tx</a:t>
-            </a:r>
-          </a:p>
-        </p:txBody>
-      </p:sp>
+            <a:spLocks noGrp="1" noRot="1" noChangeAspect="1" noMove="1" noResize="1" noEditPoints="1" noAdjustHandles="1" noChangeArrowheads="1" noChangeShapeType="1" noTextEdit="1"/>
+          </p:cNvSpPr>
+          <p:nvPr>
+            <p:extLst>
+              <p:ext uri="{386F3935-93C4-4BCD-93E2-E3B085C9AB24}">
+                <p16:designElem xmlns:p16="http://schemas.microsoft.com/office/powerpoint/2015/main" val="1"/>
+              </p:ext>
+            </p:extLst>
+          </p:nvPr>
+        </p:nvSpPr>
+        <p:spPr>
+          <a:xfrm>
+            <a:off x="2815810" y="376"/>
+            <a:ext cx="228600" cy="6858000"/>
+          </a:xfrm>
+          <a:prstGeom prst="rect">
+            <a:avLst/>
+          </a:prstGeom>
+          <a:solidFill>
+            <a:schemeClr val="tx2"/>
+          </a:solidFill>
+          <a:ln>
+            <a:noFill/>
+          </a:ln>
+        </p:spPr>
+        <p:style>
+          <a:lnRef idx="2">
+            <a:schemeClr val="accent1">
+              <a:shade val="50000"/>
+            </a:schemeClr>
+          </a:lnRef>
+          <a:fillRef idx="1">
+            <a:schemeClr val="accent1"/>
+          </a:fillRef>
+          <a:effectRef idx="0">
+            <a:schemeClr val="accent1"/>
+          </a:effectRef>
+          <a:fontRef idx="minor">
+            <a:schemeClr val="lt1"/>
+          </a:fontRef>
+        </p:style>
+      </p:sp>
+      <p:pic>
+        <p:nvPicPr>
+          <p:cNvPr id="5" name="Image 4" descr="Une image contenant table&#10;&#10;Description générée automatiquement">
+            <a:extLst>
+              <a:ext uri="{FF2B5EF4-FFF2-40B4-BE49-F238E27FC236}">
+                <a16:creationId xmlns:a16="http://schemas.microsoft.com/office/drawing/2014/main" id="{7800F210-7292-B34F-ABED-A8A073670603}"/>
+              </a:ext>
+            </a:extLst>
+          </p:cNvPr>
+          <p:cNvPicPr>
+            <a:picLocks noChangeAspect="1"/>
+          </p:cNvPicPr>
+          <p:nvPr/>
+        </p:nvPicPr>
+        <p:blipFill>
+          <a:blip r:embed="rId2"/>
+          <a:stretch>
+            <a:fillRect/>
+          </a:stretch>
+        </p:blipFill>
+        <p:spPr>
+          <a:xfrm>
+            <a:off x="5559096" y="1428750"/>
+            <a:ext cx="3314700" cy="1003300"/>
+          </a:xfrm>
+          <a:prstGeom prst="rect">
+            <a:avLst/>
+          </a:prstGeom>
+        </p:spPr>
+      </p:pic>
+      <p:pic>
+        <p:nvPicPr>
+          <p:cNvPr id="7" name="Image 6">
+            <a:extLst>
+              <a:ext uri="{FF2B5EF4-FFF2-40B4-BE49-F238E27FC236}">
+                <a16:creationId xmlns:a16="http://schemas.microsoft.com/office/drawing/2014/main" id="{53ED1B87-A7B4-3542-BC8E-F01406B22283}"/>
+              </a:ext>
+            </a:extLst>
+          </p:cNvPr>
+          <p:cNvPicPr>
+            <a:picLocks noChangeAspect="1"/>
+          </p:cNvPicPr>
+          <p:nvPr/>
+        </p:nvPicPr>
+        <p:blipFill>
+          <a:blip r:embed="rId3"/>
+          <a:stretch>
+            <a:fillRect/>
+          </a:stretch>
+        </p:blipFill>
+        <p:spPr>
+          <a:xfrm>
+            <a:off x="3363863" y="2987675"/>
+            <a:ext cx="4025765" cy="3473450"/>
+          </a:xfrm>
+          <a:prstGeom prst="rect">
+            <a:avLst/>
+          </a:prstGeom>
+        </p:spPr>
+      </p:pic>
+      <p:pic>
+        <p:nvPicPr>
+          <p:cNvPr id="14" name="Image 13">
+            <a:extLst>
+              <a:ext uri="{FF2B5EF4-FFF2-40B4-BE49-F238E27FC236}">
+                <a16:creationId xmlns:a16="http://schemas.microsoft.com/office/drawing/2014/main" id="{8AB67D42-B871-4141-8622-62AE5DB9FEF1}"/>
+              </a:ext>
+            </a:extLst>
+          </p:cNvPr>
+          <p:cNvPicPr>
+            <a:picLocks noChangeAspect="1"/>
+          </p:cNvPicPr>
+          <p:nvPr/>
+        </p:nvPicPr>
+        <p:blipFill>
+          <a:blip r:embed="rId4"/>
+          <a:stretch>
+            <a:fillRect/>
+          </a:stretch>
+        </p:blipFill>
+        <p:spPr>
+          <a:xfrm>
+            <a:off x="7805263" y="2987674"/>
+            <a:ext cx="4092841" cy="3473450"/>
+          </a:xfrm>
+          <a:prstGeom prst="rect">
+            <a:avLst/>
+          </a:prstGeom>
+        </p:spPr>
+      </p:pic>
     </p:spTree>
     <p:extLst>
       <p:ext uri="{BB962C8B-B14F-4D97-AF65-F5344CB8AC3E}">
-        <p14:creationId xmlns:p14="http://schemas.microsoft.com/office/powerpoint/2010/main" val="1749461696"/>
+        <p14:creationId xmlns:p14="http://schemas.microsoft.com/office/powerpoint/2010/main" val="1524731341"/>
       </p:ext>
     </p:extLst>
   </p:cSld>
@@ -5482,6 +5921,14 @@
 <file path=ppt/slides/slide6.xml><?xml version="1.0" encoding="utf-8"?>
 <p:sld xmlns:a="http://schemas.openxmlformats.org/drawingml/2006/main" xmlns:r="http://schemas.openxmlformats.org/officeDocument/2006/relationships" xmlns:p="http://schemas.openxmlformats.org/presentationml/2006/main">
   <p:cSld>
+    <p:bg>
+      <p:bgPr>
+        <a:solidFill>
+          <a:schemeClr val="bg2"/>
+        </a:solidFill>
+        <a:effectLst/>
+      </p:bgPr>
+    </p:bg>
     <p:spTree>
       <p:nvGrpSpPr>
         <p:cNvPr id="1" name=""/>
@@ -5496,6 +5943,66 @@
           <a:chExt cx="0" cy="0"/>
         </a:xfrm>
       </p:grpSpPr>
+      <p:sp useBgFill="1">
+        <p:nvSpPr>
+          <p:cNvPr id="42" name="Rectangle 41">
+            <a:extLst>
+              <a:ext uri="{FF2B5EF4-FFF2-40B4-BE49-F238E27FC236}">
+                <a16:creationId xmlns:a16="http://schemas.microsoft.com/office/drawing/2014/main" id="{1D868099-6145-4BC0-A5EA-74BEF1776BA9}"/>
+              </a:ext>
+              <a:ext uri="{C183D7F6-B498-43B3-948B-1728B52AA6E4}">
+                <adec:decorative xmlns:adec="http://schemas.microsoft.com/office/drawing/2017/decorative" val="1"/>
+              </a:ext>
+            </a:extLst>
+          </p:cNvPr>
+          <p:cNvSpPr>
+            <a:spLocks noGrp="1" noRot="1" noChangeAspect="1" noMove="1" noResize="1" noEditPoints="1" noAdjustHandles="1" noChangeArrowheads="1" noChangeShapeType="1" noTextEdit="1"/>
+          </p:cNvSpPr>
+          <p:nvPr>
+            <p:extLst>
+              <p:ext uri="{386F3935-93C4-4BCD-93E2-E3B085C9AB24}">
+                <p16:designElem xmlns:p16="http://schemas.microsoft.com/office/powerpoint/2015/main" val="1"/>
+              </p:ext>
+            </p:extLst>
+          </p:nvPr>
+        </p:nvSpPr>
+        <p:spPr>
+          <a:xfrm>
+            <a:off x="0" y="0"/>
+            <a:ext cx="12192000" cy="6858000"/>
+          </a:xfrm>
+          <a:prstGeom prst="rect">
+            <a:avLst/>
+          </a:prstGeom>
+          <a:ln>
+            <a:noFill/>
+          </a:ln>
+        </p:spPr>
+        <p:style>
+          <a:lnRef idx="2">
+            <a:schemeClr val="accent1">
+              <a:shade val="50000"/>
+            </a:schemeClr>
+          </a:lnRef>
+          <a:fillRef idx="1">
+            <a:schemeClr val="accent1"/>
+          </a:fillRef>
+          <a:effectRef idx="0">
+            <a:schemeClr val="accent1"/>
+          </a:effectRef>
+          <a:fontRef idx="minor">
+            <a:schemeClr val="lt1"/>
+          </a:fontRef>
+        </p:style>
+        <p:txBody>
+          <a:bodyPr rtlCol="0" anchor="ctr"/>
+          <a:lstStyle/>
+          <a:p>
+            <a:pPr algn="ctr"/>
+            <a:endParaRPr lang="en-US"/>
+          </a:p>
+        </p:txBody>
+      </p:sp>
       <p:sp>
         <p:nvSpPr>
           <p:cNvPr id="2" name="Titre 1">
@@ -5512,24 +6019,64 @@
             <p:ph type="title"/>
           </p:nvPr>
         </p:nvSpPr>
-        <p:spPr/>
-        <p:txBody>
-          <a:bodyPr/>
+        <p:spPr>
+          <a:xfrm>
+            <a:off x="8471424" y="1110882"/>
+            <a:ext cx="3053039" cy="1060817"/>
+          </a:xfrm>
+        </p:spPr>
+        <p:txBody>
+          <a:bodyPr vert="horz" lIns="91440" tIns="45720" rIns="91440" bIns="45720" rtlCol="0" anchor="b">
+            <a:normAutofit/>
+          </a:bodyPr>
           <a:lstStyle/>
           <a:p>
-            <a:endParaRPr lang="en-GB"/>
-          </a:p>
-        </p:txBody>
-      </p:sp>
-      <p:sp>
-        <p:nvSpPr>
-          <p:cNvPr id="3" name="Espace réservé du contenu 2">
+            <a:r>
+              <a:rPr lang="en-US" sz="2800" cap="all" dirty="0"/>
+              <a:t>Decision optimization</a:t>
+            </a:r>
+          </a:p>
+        </p:txBody>
+      </p:sp>
+      <p:pic>
+        <p:nvPicPr>
+          <p:cNvPr id="9" name="Espace réservé du contenu 8">
             <a:extLst>
               <a:ext uri="{FF2B5EF4-FFF2-40B4-BE49-F238E27FC236}">
-                <a16:creationId xmlns:a16="http://schemas.microsoft.com/office/drawing/2014/main" id="{1B2E09C9-BB80-0140-9C51-63B46EF14E63}"/>
+                <a16:creationId xmlns:a16="http://schemas.microsoft.com/office/drawing/2014/main" id="{55F77467-84C5-3A43-BF03-0150B6C579C7}"/>
               </a:ext>
             </a:extLst>
           </p:cNvPr>
+          <p:cNvPicPr>
+            <a:picLocks noChangeAspect="1"/>
+          </p:cNvPicPr>
+          <p:nvPr/>
+        </p:nvPicPr>
+        <p:blipFill>
+          <a:blip r:embed="rId2"/>
+          <a:stretch>
+            <a:fillRect/>
+          </a:stretch>
+        </p:blipFill>
+        <p:spPr>
+          <a:xfrm>
+            <a:off x="1061244" y="640080"/>
+            <a:ext cx="6046441" cy="5577840"/>
+          </a:xfrm>
+          <a:prstGeom prst="rect">
+            <a:avLst/>
+          </a:prstGeom>
+        </p:spPr>
+      </p:pic>
+      <p:sp>
+        <p:nvSpPr>
+          <p:cNvPr id="39" name="Content Placeholder 38">
+            <a:extLst>
+              <a:ext uri="{FF2B5EF4-FFF2-40B4-BE49-F238E27FC236}">
+                <a16:creationId xmlns:a16="http://schemas.microsoft.com/office/drawing/2014/main" id="{5BE10AC6-6333-4530-8610-EED7205465F4}"/>
+              </a:ext>
+            </a:extLst>
+          </p:cNvPr>
           <p:cNvSpPr>
             <a:spLocks noGrp="1"/>
           </p:cNvSpPr>
@@ -5537,14 +6084,140 @@
             <p:ph idx="1"/>
           </p:nvPr>
         </p:nvSpPr>
-        <p:spPr/>
-        <p:txBody>
-          <a:bodyPr/>
+        <p:spPr>
+          <a:xfrm>
+            <a:off x="8471423" y="2438400"/>
+            <a:ext cx="3053039" cy="3779520"/>
+          </a:xfrm>
+        </p:spPr>
+        <p:txBody>
+          <a:bodyPr>
+            <a:normAutofit/>
+          </a:bodyPr>
           <a:lstStyle/>
           <a:p>
-            <a:endParaRPr lang="en-GB"/>
-          </a:p>
-        </p:txBody>
+            <a:r>
+              <a:rPr lang="fr-IE" sz="1400" dirty="0"/>
+              <a:t>Setting</a:t>
+            </a:r>
+          </a:p>
+          <a:p>
+            <a:pPr lvl="1"/>
+            <a:r>
+              <a:rPr lang="fr-IE" sz="1400" dirty="0"/>
+              <a:t>If both models are giving the same result the transaction is directly allowed or denied</a:t>
+            </a:r>
+          </a:p>
+          <a:p>
+            <a:pPr lvl="1"/>
+            <a:r>
+              <a:rPr lang="fr-IE" sz="1400" dirty="0"/>
+              <a:t>If their decision are not identical the transaction go to manual review </a:t>
+            </a:r>
+          </a:p>
+          <a:p>
+            <a:r>
+              <a:rPr lang="en-GB" sz="1400" dirty="0"/>
+              <a:t>Transactions reviewed</a:t>
+            </a:r>
+          </a:p>
+          <a:p>
+            <a:pPr lvl="1"/>
+            <a:r>
+              <a:rPr lang="en-US" sz="1400" dirty="0"/>
+              <a:t>504 transactions in total</a:t>
+            </a:r>
+          </a:p>
+          <a:p>
+            <a:pPr lvl="1"/>
+            <a:r>
+              <a:rPr lang="en-US" sz="1400" dirty="0"/>
+              <a:t>532 genuine transactions</a:t>
+            </a:r>
+          </a:p>
+          <a:p>
+            <a:pPr lvl="1"/>
+            <a:r>
+              <a:rPr lang="en-US" sz="1400" dirty="0"/>
+              <a:t>62 fraudulent transactions</a:t>
+            </a:r>
+          </a:p>
+        </p:txBody>
+      </p:sp>
+      <p:sp>
+        <p:nvSpPr>
+          <p:cNvPr id="44" name="Freeform 6">
+            <a:extLst>
+              <a:ext uri="{FF2B5EF4-FFF2-40B4-BE49-F238E27FC236}">
+                <a16:creationId xmlns:a16="http://schemas.microsoft.com/office/drawing/2014/main" id="{CC1026F7-DECB-49B4-A565-518BBA445471}"/>
+              </a:ext>
+              <a:ext uri="{C183D7F6-B498-43B3-948B-1728B52AA6E4}">
+                <adec:decorative xmlns:adec="http://schemas.microsoft.com/office/drawing/2017/decorative" val="1"/>
+              </a:ext>
+            </a:extLst>
+          </p:cNvPr>
+          <p:cNvSpPr>
+            <a:spLocks noGrp="1" noRot="1" noChangeAspect="1" noMove="1" noResize="1" noEditPoints="1" noAdjustHandles="1" noChangeArrowheads="1" noChangeShapeType="1" noTextEdit="1"/>
+          </p:cNvSpPr>
+          <p:nvPr>
+            <p:extLst>
+              <p:ext uri="{386F3935-93C4-4BCD-93E2-E3B085C9AB24}">
+                <p16:designElem xmlns:p16="http://schemas.microsoft.com/office/powerpoint/2015/main" val="1"/>
+              </p:ext>
+            </p:extLst>
+          </p:nvPr>
+        </p:nvSpPr>
+        <p:spPr bwMode="auto">
+          <a:xfrm flipH="1" flipV="1">
+            <a:off x="7983434" y="640080"/>
+            <a:ext cx="2296028" cy="3674981"/>
+          </a:xfrm>
+          <a:custGeom>
+            <a:avLst/>
+            <a:gdLst/>
+            <a:ahLst/>
+            <a:cxnLst/>
+            <a:rect l="l" t="t" r="r" b="b"/>
+            <a:pathLst>
+              <a:path w="10002" h="10000">
+                <a:moveTo>
+                  <a:pt x="8763" y="0"/>
+                </a:moveTo>
+                <a:lnTo>
+                  <a:pt x="10002" y="0"/>
+                </a:lnTo>
+                <a:lnTo>
+                  <a:pt x="10002" y="10000"/>
+                </a:lnTo>
+                <a:lnTo>
+                  <a:pt x="2" y="10000"/>
+                </a:lnTo>
+                <a:cubicBezTo>
+                  <a:pt x="-2" y="9698"/>
+                  <a:pt x="4" y="9427"/>
+                  <a:pt x="0" y="9125"/>
+                </a:cubicBezTo>
+                <a:lnTo>
+                  <a:pt x="8763" y="9128"/>
+                </a:lnTo>
+                <a:lnTo>
+                  <a:pt x="8763" y="0"/>
+                </a:lnTo>
+                <a:close/>
+              </a:path>
+            </a:pathLst>
+          </a:custGeom>
+          <a:solidFill>
+            <a:schemeClr val="tx2"/>
+          </a:solidFill>
+          <a:ln w="0">
+            <a:noFill/>
+            <a:prstDash val="solid"/>
+            <a:round/>
+            <a:headEnd/>
+            <a:tailEnd/>
+          </a:ln>
+        </p:spPr>
       </p:sp>
     </p:spTree>
     <p:extLst>
@@ -5562,6 +6235,14 @@
 <file path=ppt/slides/slide7.xml><?xml version="1.0" encoding="utf-8"?>
 <p:sld xmlns:a="http://schemas.openxmlformats.org/drawingml/2006/main" xmlns:r="http://schemas.openxmlformats.org/officeDocument/2006/relationships" xmlns:p="http://schemas.openxmlformats.org/presentationml/2006/main">
   <p:cSld>
+    <p:bg>
+      <p:bgPr>
+        <a:solidFill>
+          <a:schemeClr val="bg2"/>
+        </a:solidFill>
+        <a:effectLst/>
+      </p:bgPr>
+    </p:bg>
     <p:spTree>
       <p:nvGrpSpPr>
         <p:cNvPr id="1" name=""/>
@@ -5576,12 +6257,72 @@
           <a:chExt cx="0" cy="0"/>
         </a:xfrm>
       </p:grpSpPr>
+      <p:sp useBgFill="1">
+        <p:nvSpPr>
+          <p:cNvPr id="24" name="Rectangle 19">
+            <a:extLst>
+              <a:ext uri="{FF2B5EF4-FFF2-40B4-BE49-F238E27FC236}">
+                <a16:creationId xmlns:a16="http://schemas.microsoft.com/office/drawing/2014/main" id="{1D868099-6145-4BC0-A5EA-74BEF1776BA9}"/>
+              </a:ext>
+              <a:ext uri="{C183D7F6-B498-43B3-948B-1728B52AA6E4}">
+                <adec:decorative xmlns:adec="http://schemas.microsoft.com/office/drawing/2017/decorative" val="1"/>
+              </a:ext>
+            </a:extLst>
+          </p:cNvPr>
+          <p:cNvSpPr>
+            <a:spLocks noGrp="1" noRot="1" noChangeAspect="1" noMove="1" noResize="1" noEditPoints="1" noAdjustHandles="1" noChangeArrowheads="1" noChangeShapeType="1" noTextEdit="1"/>
+          </p:cNvSpPr>
+          <p:nvPr>
+            <p:extLst>
+              <p:ext uri="{386F3935-93C4-4BCD-93E2-E3B085C9AB24}">
+                <p16:designElem xmlns:p16="http://schemas.microsoft.com/office/powerpoint/2015/main" val="1"/>
+              </p:ext>
+            </p:extLst>
+          </p:nvPr>
+        </p:nvSpPr>
+        <p:spPr>
+          <a:xfrm>
+            <a:off x="0" y="0"/>
+            <a:ext cx="12192000" cy="6858000"/>
+          </a:xfrm>
+          <a:prstGeom prst="rect">
+            <a:avLst/>
+          </a:prstGeom>
+          <a:ln>
+            <a:noFill/>
+          </a:ln>
+        </p:spPr>
+        <p:style>
+          <a:lnRef idx="2">
+            <a:schemeClr val="accent1">
+              <a:shade val="50000"/>
+            </a:schemeClr>
+          </a:lnRef>
+          <a:fillRef idx="1">
+            <a:schemeClr val="accent1"/>
+          </a:fillRef>
+          <a:effectRef idx="0">
+            <a:schemeClr val="accent1"/>
+          </a:effectRef>
+          <a:fontRef idx="minor">
+            <a:schemeClr val="lt1"/>
+          </a:fontRef>
+        </p:style>
+        <p:txBody>
+          <a:bodyPr rtlCol="0" anchor="ctr"/>
+          <a:lstStyle/>
+          <a:p>
+            <a:pPr algn="ctr"/>
+            <a:endParaRPr lang="en-US"/>
+          </a:p>
+        </p:txBody>
+      </p:sp>
       <p:sp>
         <p:nvSpPr>
           <p:cNvPr id="2" name="Titre 1">
             <a:extLst>
               <a:ext uri="{FF2B5EF4-FFF2-40B4-BE49-F238E27FC236}">
-                <a16:creationId xmlns:a16="http://schemas.microsoft.com/office/drawing/2014/main" id="{00309B92-A1C4-F344-9D27-6CA4CE0353D3}"/>
+                <a16:creationId xmlns:a16="http://schemas.microsoft.com/office/drawing/2014/main" id="{4BDD5C3D-AA00-BB4C-AB67-6C2B58527D5E}"/>
               </a:ext>
             </a:extLst>
           </p:cNvPr>
@@ -5592,14 +6333,21 @@
             <p:ph type="title"/>
           </p:nvPr>
         </p:nvSpPr>
-        <p:spPr/>
-        <p:txBody>
-          <a:bodyPr/>
+        <p:spPr>
+          <a:xfrm>
+            <a:off x="8471424" y="1110882"/>
+            <a:ext cx="3053039" cy="1060817"/>
+          </a:xfrm>
+        </p:spPr>
+        <p:txBody>
+          <a:bodyPr anchor="b">
+            <a:normAutofit/>
+          </a:bodyPr>
           <a:lstStyle/>
           <a:p>
             <a:r>
-              <a:rPr lang="fr-IE" dirty="0"/>
-              <a:t>Usage</a:t>
+              <a:rPr lang="fr-IE" sz="2800"/>
+              <a:t>Result</a:t>
             </a:r>
           </a:p>
         </p:txBody>
@@ -5609,7 +6357,7 @@
           <p:cNvPr id="3" name="Espace réservé du contenu 2">
             <a:extLst>
               <a:ext uri="{FF2B5EF4-FFF2-40B4-BE49-F238E27FC236}">
-                <a16:creationId xmlns:a16="http://schemas.microsoft.com/office/drawing/2014/main" id="{35676D4F-AFE0-6846-B385-2530E6E1B477}"/>
+                <a16:creationId xmlns:a16="http://schemas.microsoft.com/office/drawing/2014/main" id="{587FF890-7039-9541-9812-F48DC9830C72}"/>
               </a:ext>
             </a:extLst>
           </p:cNvPr>
@@ -5620,103 +6368,524 @@
             <p:ph idx="1"/>
           </p:nvPr>
         </p:nvSpPr>
-        <p:spPr/>
+        <p:spPr>
+          <a:xfrm>
+            <a:off x="8471423" y="2286000"/>
+            <a:ext cx="3053039" cy="3931920"/>
+          </a:xfrm>
+        </p:spPr>
         <p:txBody>
           <a:bodyPr>
-            <a:normAutofit lnSpcReduction="10000"/>
+            <a:normAutofit/>
           </a:bodyPr>
           <a:lstStyle/>
           <a:p>
             <a:r>
-              <a:rPr lang="fr-IE" dirty="0"/>
-              <a:t>Real time detection</a:t>
+              <a:rPr lang="fr-IE" sz="1600"/>
+              <a:t>Accuracy</a:t>
             </a:r>
           </a:p>
           <a:p>
             <a:pPr lvl="1"/>
             <a:r>
-              <a:rPr lang="fr-IE" dirty="0"/>
-              <a:t>Quality</a:t>
-            </a:r>
-          </a:p>
-          <a:p>
-            <a:pPr lvl="2"/>
-            <a:r>
-              <a:rPr lang="fr-IE" dirty="0"/>
-              <a:t>Able to deal with huge volume of transaction with few human interactions</a:t>
-            </a:r>
-          </a:p>
-          <a:p>
-            <a:pPr lvl="2"/>
-            <a:r>
-              <a:rPr lang="fr-IE" dirty="0"/>
-              <a:t>Efficient on risk mitigation</a:t>
-            </a:r>
-          </a:p>
-          <a:p>
-            <a:pPr lvl="1"/>
-            <a:r>
-              <a:rPr lang="fr-IE" dirty="0"/>
-              <a:t>Limit</a:t>
-            </a:r>
-          </a:p>
-          <a:p>
-            <a:pPr lvl="2"/>
-            <a:r>
-              <a:rPr lang="fr-FR" dirty="0" err="1"/>
-              <a:t>T</a:t>
-            </a:r>
-            <a:r>
-              <a:rPr lang="fr-IE" dirty="0"/>
-              <a:t>ime requested to take the decision</a:t>
-            </a:r>
-          </a:p>
-          <a:p>
-            <a:pPr lvl="2"/>
-            <a:r>
-              <a:rPr lang="fr-FR" dirty="0" err="1"/>
-              <a:t>Need</a:t>
-            </a:r>
-            <a:r>
-              <a:rPr lang="fr-FR" dirty="0"/>
-              <a:t> </a:t>
-            </a:r>
-            <a:r>
-              <a:rPr lang="fr-FR" dirty="0" err="1"/>
-              <a:t>regular</a:t>
-            </a:r>
-            <a:r>
-              <a:rPr lang="fr-FR" dirty="0"/>
-              <a:t> update</a:t>
-            </a:r>
-          </a:p>
-          <a:p>
-            <a:pPr lvl="2"/>
-            <a:endParaRPr lang="fr-IE" dirty="0"/>
-          </a:p>
-          <a:p>
-            <a:r>
-              <a:rPr lang="fr-IE" dirty="0"/>
-              <a:t>Global review</a:t>
-            </a:r>
-          </a:p>
-          <a:p>
-            <a:pPr lvl="1"/>
-            <a:r>
-              <a:rPr lang="fr-IE" dirty="0"/>
-              <a:t>Allow to detect trend and linked account</a:t>
-            </a:r>
-          </a:p>
-          <a:p>
-            <a:pPr lvl="1"/>
-            <a:endParaRPr lang="fr-IE" dirty="0"/>
-          </a:p>
-        </p:txBody>
-      </p:sp>
+              <a:rPr lang="fr-IE" sz="1600"/>
+              <a:t>Using both models, we can reach an accuracy score of  0.999573013787265</a:t>
+            </a:r>
+          </a:p>
+          <a:p>
+            <a:pPr marL="530352" lvl="1" indent="0">
+              <a:buNone/>
+            </a:pPr>
+            <a:endParaRPr lang="fr-IE" sz="1600"/>
+          </a:p>
+          <a:p>
+            <a:r>
+              <a:rPr lang="en-GB" sz="1600"/>
+              <a:t>Result</a:t>
+            </a:r>
+            <a:r>
+              <a:rPr lang="fr-FR" sz="1600"/>
+              <a:t> per 1 000 transactions</a:t>
+            </a:r>
+          </a:p>
+          <a:p>
+            <a:endParaRPr lang="fr-IE" sz="1600"/>
+          </a:p>
+        </p:txBody>
+      </p:sp>
+      <p:sp>
+        <p:nvSpPr>
+          <p:cNvPr id="25" name="Freeform 6">
+            <a:extLst>
+              <a:ext uri="{FF2B5EF4-FFF2-40B4-BE49-F238E27FC236}">
+                <a16:creationId xmlns:a16="http://schemas.microsoft.com/office/drawing/2014/main" id="{CC1026F7-DECB-49B4-A565-518BBA445471}"/>
+              </a:ext>
+              <a:ext uri="{C183D7F6-B498-43B3-948B-1728B52AA6E4}">
+                <adec:decorative xmlns:adec="http://schemas.microsoft.com/office/drawing/2017/decorative" val="1"/>
+              </a:ext>
+            </a:extLst>
+          </p:cNvPr>
+          <p:cNvSpPr>
+            <a:spLocks noGrp="1" noRot="1" noChangeAspect="1" noMove="1" noResize="1" noEditPoints="1" noAdjustHandles="1" noChangeArrowheads="1" noChangeShapeType="1" noTextEdit="1"/>
+          </p:cNvSpPr>
+          <p:nvPr>
+            <p:extLst>
+              <p:ext uri="{386F3935-93C4-4BCD-93E2-E3B085C9AB24}">
+                <p16:designElem xmlns:p16="http://schemas.microsoft.com/office/powerpoint/2015/main" val="1"/>
+              </p:ext>
+            </p:extLst>
+          </p:nvPr>
+        </p:nvSpPr>
+        <p:spPr bwMode="auto">
+          <a:xfrm flipH="1" flipV="1">
+            <a:off x="7983434" y="640080"/>
+            <a:ext cx="2296028" cy="3674981"/>
+          </a:xfrm>
+          <a:custGeom>
+            <a:avLst/>
+            <a:gdLst/>
+            <a:ahLst/>
+            <a:cxnLst/>
+            <a:rect l="l" t="t" r="r" b="b"/>
+            <a:pathLst>
+              <a:path w="10002" h="10000">
+                <a:moveTo>
+                  <a:pt x="8763" y="0"/>
+                </a:moveTo>
+                <a:lnTo>
+                  <a:pt x="10002" y="0"/>
+                </a:lnTo>
+                <a:lnTo>
+                  <a:pt x="10002" y="10000"/>
+                </a:lnTo>
+                <a:lnTo>
+                  <a:pt x="2" y="10000"/>
+                </a:lnTo>
+                <a:cubicBezTo>
+                  <a:pt x="-2" y="9698"/>
+                  <a:pt x="4" y="9427"/>
+                  <a:pt x="0" y="9125"/>
+                </a:cubicBezTo>
+                <a:lnTo>
+                  <a:pt x="8763" y="9128"/>
+                </a:lnTo>
+                <a:lnTo>
+                  <a:pt x="8763" y="0"/>
+                </a:lnTo>
+                <a:close/>
+              </a:path>
+            </a:pathLst>
+          </a:custGeom>
+          <a:solidFill>
+            <a:schemeClr val="tx2"/>
+          </a:solidFill>
+          <a:ln w="0">
+            <a:noFill/>
+            <a:prstDash val="solid"/>
+            <a:round/>
+            <a:headEnd/>
+            <a:tailEnd/>
+          </a:ln>
+        </p:spPr>
+      </p:sp>
+      <p:graphicFrame>
+        <p:nvGraphicFramePr>
+          <p:cNvPr id="6" name="Tableau 6">
+            <a:extLst>
+              <a:ext uri="{FF2B5EF4-FFF2-40B4-BE49-F238E27FC236}">
+                <a16:creationId xmlns:a16="http://schemas.microsoft.com/office/drawing/2014/main" id="{92557A64-F5A1-B840-9928-77BB6B1B1CC4}"/>
+              </a:ext>
+            </a:extLst>
+          </p:cNvPr>
+          <p:cNvGraphicFramePr>
+            <a:graphicFrameLocks noGrp="1"/>
+          </p:cNvGraphicFramePr>
+          <p:nvPr>
+            <p:extLst>
+              <p:ext uri="{D42A27DB-BD31-4B8C-83A1-F6EECF244321}">
+                <p14:modId xmlns:p14="http://schemas.microsoft.com/office/powerpoint/2010/main" val="4162871962"/>
+              </p:ext>
+            </p:extLst>
+          </p:nvPr>
+        </p:nvGraphicFramePr>
+        <p:xfrm>
+          <a:off x="634275" y="2377440"/>
+          <a:ext cx="6900384" cy="2103121"/>
+        </p:xfrm>
+        <a:graphic>
+          <a:graphicData uri="http://schemas.openxmlformats.org/drawingml/2006/table">
+            <a:tbl>
+              <a:tblPr firstRow="1" bandRow="1">
+                <a:tableStyleId>{5C22544A-7EE6-4342-B048-85BDC9FD1C3A}</a:tableStyleId>
+              </a:tblPr>
+              <a:tblGrid>
+                <a:gridCol w="1347264">
+                  <a:extLst>
+                    <a:ext uri="{9D8B030D-6E8A-4147-A177-3AD203B41FA5}">
+                      <a16:colId xmlns:a16="http://schemas.microsoft.com/office/drawing/2014/main" val="3685453634"/>
+                    </a:ext>
+                  </a:extLst>
+                </a:gridCol>
+                <a:gridCol w="1347264">
+                  <a:extLst>
+                    <a:ext uri="{9D8B030D-6E8A-4147-A177-3AD203B41FA5}">
+                      <a16:colId xmlns:a16="http://schemas.microsoft.com/office/drawing/2014/main" val="1905548271"/>
+                    </a:ext>
+                  </a:extLst>
+                </a:gridCol>
+                <a:gridCol w="1472725">
+                  <a:extLst>
+                    <a:ext uri="{9D8B030D-6E8A-4147-A177-3AD203B41FA5}">
+                      <a16:colId xmlns:a16="http://schemas.microsoft.com/office/drawing/2014/main" val="2133502202"/>
+                    </a:ext>
+                  </a:extLst>
+                </a:gridCol>
+                <a:gridCol w="1385867">
+                  <a:extLst>
+                    <a:ext uri="{9D8B030D-6E8A-4147-A177-3AD203B41FA5}">
+                      <a16:colId xmlns:a16="http://schemas.microsoft.com/office/drawing/2014/main" val="4260215781"/>
+                    </a:ext>
+                  </a:extLst>
+                </a:gridCol>
+                <a:gridCol w="1347264">
+                  <a:extLst>
+                    <a:ext uri="{9D8B030D-6E8A-4147-A177-3AD203B41FA5}">
+                      <a16:colId xmlns:a16="http://schemas.microsoft.com/office/drawing/2014/main" val="2493971496"/>
+                    </a:ext>
+                  </a:extLst>
+                </a:gridCol>
+              </a:tblGrid>
+              <a:tr h="1491641">
+                <a:tc>
+                  <a:txBody>
+                    <a:bodyPr/>
+                    <a:lstStyle/>
+                    <a:p>
+                      <a:pPr marL="0" marR="0" indent="0" algn="ctr" defTabSz="914400" rtl="0" eaLnBrk="1" fontAlgn="auto" latinLnBrk="0" hangingPunct="1">
+                        <a:lnSpc>
+                          <a:spcPct val="100000"/>
+                        </a:lnSpc>
+                        <a:spcBef>
+                          <a:spcPts val="0"/>
+                        </a:spcBef>
+                        <a:spcAft>
+                          <a:spcPts val="0"/>
+                        </a:spcAft>
+                        <a:buClrTx/>
+                        <a:buSzTx/>
+                        <a:buFontTx/>
+                        <a:buNone/>
+                        <a:tabLst/>
+                        <a:defRPr/>
+                      </a:pPr>
+                      <a:r>
+                        <a:rPr lang="en-GB" sz="2100"/>
+                        <a:t>Fraud count per 1 000 tx</a:t>
+                      </a:r>
+                    </a:p>
+                  </a:txBody>
+                  <a:tcPr marL="138973" marR="138973" marT="69486" marB="69486"/>
+                </a:tc>
+                <a:tc>
+                  <a:txBody>
+                    <a:bodyPr/>
+                    <a:lstStyle/>
+                    <a:p>
+                      <a:pPr algn="ctr"/>
+                      <a:r>
+                        <a:rPr lang="en-GB" sz="2100" b="1" i="0" u="none" strike="noStrike" kern="1200" noProof="0">
+                          <a:solidFill>
+                            <a:schemeClr val="lt1"/>
+                          </a:solidFill>
+                          <a:effectLst/>
+                          <a:latin typeface="+mn-lt"/>
+                          <a:ea typeface="+mn-ea"/>
+                          <a:cs typeface="+mn-cs"/>
+                        </a:rPr>
+                        <a:t>Fraud</a:t>
+                      </a:r>
+                      <a:r>
+                        <a:rPr lang="fr-FR" sz="2100" b="1" i="0" u="none" strike="noStrike" kern="1200">
+                          <a:solidFill>
+                            <a:schemeClr val="lt1"/>
+                          </a:solidFill>
+                          <a:effectLst/>
+                          <a:latin typeface="+mn-lt"/>
+                          <a:ea typeface="+mn-ea"/>
+                          <a:cs typeface="+mn-cs"/>
+                        </a:rPr>
+                        <a:t> catch per 1 000 tx</a:t>
+                      </a:r>
+                      <a:endParaRPr lang="en-GB" sz="2100"/>
+                    </a:p>
+                  </a:txBody>
+                  <a:tcPr marL="138973" marR="138973" marT="69486" marB="69486"/>
+                </a:tc>
+                <a:tc>
+                  <a:txBody>
+                    <a:bodyPr/>
+                    <a:lstStyle/>
+                    <a:p>
+                      <a:pPr algn="ctr"/>
+                      <a:r>
+                        <a:rPr lang="fr-FR" sz="2100" b="1" i="0" u="none" strike="noStrike" kern="1200">
+                          <a:solidFill>
+                            <a:schemeClr val="lt1"/>
+                          </a:solidFill>
+                          <a:effectLst/>
+                          <a:latin typeface="+mn-lt"/>
+                          <a:ea typeface="+mn-ea"/>
+                          <a:cs typeface="+mn-cs"/>
+                        </a:rPr>
+                        <a:t>False positive per 1 000 tx</a:t>
+                      </a:r>
+                      <a:endParaRPr lang="en-GB" sz="2100"/>
+                    </a:p>
+                  </a:txBody>
+                  <a:tcPr marL="138973" marR="138973" marT="69486" marB="69486"/>
+                </a:tc>
+                <a:tc>
+                  <a:txBody>
+                    <a:bodyPr/>
+                    <a:lstStyle/>
+                    <a:p>
+                      <a:pPr algn="ctr"/>
+                      <a:r>
+                        <a:rPr lang="en-GB" sz="2100" b="1" i="0" u="none" strike="noStrike" kern="1200" noProof="0">
+                          <a:solidFill>
+                            <a:schemeClr val="lt1"/>
+                          </a:solidFill>
+                          <a:effectLst/>
+                          <a:latin typeface="+mn-lt"/>
+                          <a:ea typeface="+mn-ea"/>
+                          <a:cs typeface="+mn-cs"/>
+                        </a:rPr>
+                        <a:t>Fraud</a:t>
+                      </a:r>
+                      <a:r>
+                        <a:rPr lang="fr-FR" sz="2100" b="1" i="0" u="none" strike="noStrike" kern="1200">
+                          <a:solidFill>
+                            <a:schemeClr val="lt1"/>
+                          </a:solidFill>
+                          <a:effectLst/>
+                          <a:latin typeface="+mn-lt"/>
+                          <a:ea typeface="+mn-ea"/>
+                          <a:cs typeface="+mn-cs"/>
+                        </a:rPr>
+                        <a:t> </a:t>
+                      </a:r>
+                      <a:r>
+                        <a:rPr lang="en-US" sz="2100" b="1" i="0" u="none" strike="noStrike" kern="1200" noProof="0">
+                          <a:solidFill>
+                            <a:schemeClr val="lt1"/>
+                          </a:solidFill>
+                          <a:effectLst/>
+                          <a:latin typeface="+mn-lt"/>
+                          <a:ea typeface="+mn-ea"/>
+                          <a:cs typeface="+mn-cs"/>
+                        </a:rPr>
+                        <a:t>missed</a:t>
+                      </a:r>
+                      <a:r>
+                        <a:rPr lang="fr-FR" sz="2100" b="1" i="0" u="none" strike="noStrike" kern="1200">
+                          <a:solidFill>
+                            <a:schemeClr val="lt1"/>
+                          </a:solidFill>
+                          <a:effectLst/>
+                          <a:latin typeface="+mn-lt"/>
+                          <a:ea typeface="+mn-ea"/>
+                          <a:cs typeface="+mn-cs"/>
+                        </a:rPr>
+                        <a:t> per 1 000 tx</a:t>
+                      </a:r>
+                      <a:endParaRPr lang="en-GB" sz="2100"/>
+                    </a:p>
+                  </a:txBody>
+                  <a:tcPr marL="138973" marR="138973" marT="69486" marB="69486"/>
+                </a:tc>
+                <a:tc>
+                  <a:txBody>
+                    <a:bodyPr/>
+                    <a:lstStyle/>
+                    <a:p>
+                      <a:pPr algn="ctr"/>
+                      <a:r>
+                        <a:rPr lang="fr-FR" sz="2100" b="1" i="0" u="none" strike="noStrike" kern="1200">
+                          <a:solidFill>
+                            <a:schemeClr val="lt1"/>
+                          </a:solidFill>
+                          <a:effectLst/>
+                          <a:latin typeface="+mn-lt"/>
+                          <a:ea typeface="+mn-ea"/>
+                          <a:cs typeface="+mn-cs"/>
+                        </a:rPr>
+                        <a:t>Tx </a:t>
+                      </a:r>
+                      <a:r>
+                        <a:rPr lang="en-GB" sz="2100" b="1" i="0" u="none" strike="noStrike" kern="1200" noProof="0">
+                          <a:solidFill>
+                            <a:schemeClr val="lt1"/>
+                          </a:solidFill>
+                          <a:effectLst/>
+                          <a:latin typeface="+mn-lt"/>
+                          <a:ea typeface="+mn-ea"/>
+                          <a:cs typeface="+mn-cs"/>
+                        </a:rPr>
+                        <a:t>review</a:t>
+                      </a:r>
+                      <a:r>
+                        <a:rPr lang="fr-FR" sz="2100" b="1" i="0" u="none" strike="noStrike" kern="1200">
+                          <a:solidFill>
+                            <a:schemeClr val="lt1"/>
+                          </a:solidFill>
+                          <a:effectLst/>
+                          <a:latin typeface="+mn-lt"/>
+                          <a:ea typeface="+mn-ea"/>
+                          <a:cs typeface="+mn-cs"/>
+                        </a:rPr>
+                        <a:t> per 1 000 tx</a:t>
+                      </a:r>
+                      <a:endParaRPr lang="en-GB" sz="2100"/>
+                    </a:p>
+                  </a:txBody>
+                  <a:tcPr marL="138973" marR="138973" marT="69486" marB="69486"/>
+                </a:tc>
+                <a:extLst>
+                  <a:ext uri="{0D108BD9-81ED-4DB2-BD59-A6C34878D82A}">
+                    <a16:rowId xmlns:a16="http://schemas.microsoft.com/office/drawing/2014/main" val="2154996756"/>
+                  </a:ext>
+                </a:extLst>
+              </a:tr>
+              <a:tr h="611480">
+                <a:tc>
+                  <a:txBody>
+                    <a:bodyPr/>
+                    <a:lstStyle/>
+                    <a:p>
+                      <a:pPr algn="ctr"/>
+                      <a:r>
+                        <a:rPr lang="fr-IE" sz="2700" b="0" i="0" u="none" strike="noStrike" kern="1200">
+                          <a:solidFill>
+                            <a:schemeClr val="dk1"/>
+                          </a:solidFill>
+                          <a:effectLst/>
+                          <a:latin typeface="+mn-lt"/>
+                          <a:ea typeface="+mn-ea"/>
+                          <a:cs typeface="+mn-cs"/>
+                        </a:rPr>
+                        <a:t>9.138</a:t>
+                      </a:r>
+                      <a:endParaRPr lang="en-GB" sz="2700"/>
+                    </a:p>
+                  </a:txBody>
+                  <a:tcPr marL="138973" marR="138973" marT="69486" marB="69486"/>
+                </a:tc>
+                <a:tc>
+                  <a:txBody>
+                    <a:bodyPr/>
+                    <a:lstStyle/>
+                    <a:p>
+                      <a:pPr algn="ctr"/>
+                      <a:r>
+                        <a:rPr lang="fr-IE" sz="2700" b="0" i="0" u="none" strike="noStrike" kern="1200">
+                          <a:solidFill>
+                            <a:schemeClr val="dk1"/>
+                          </a:solidFill>
+                          <a:effectLst/>
+                          <a:latin typeface="+mn-lt"/>
+                          <a:ea typeface="+mn-ea"/>
+                          <a:cs typeface="+mn-cs"/>
+                        </a:rPr>
+                        <a:t>8.759</a:t>
+                      </a:r>
+                      <a:endParaRPr lang="en-GB" sz="2700"/>
+                    </a:p>
+                  </a:txBody>
+                  <a:tcPr marL="138973" marR="138973" marT="69486" marB="69486"/>
+                </a:tc>
+                <a:tc>
+                  <a:txBody>
+                    <a:bodyPr/>
+                    <a:lstStyle/>
+                    <a:p>
+                      <a:pPr algn="ctr"/>
+                      <a:r>
+                        <a:rPr lang="fr-IE" sz="2700" b="0" i="0" u="none" strike="noStrike" kern="1200">
+                          <a:solidFill>
+                            <a:schemeClr val="dk1"/>
+                          </a:solidFill>
+                          <a:effectLst/>
+                          <a:latin typeface="+mn-lt"/>
+                          <a:ea typeface="+mn-ea"/>
+                          <a:cs typeface="+mn-cs"/>
+                        </a:rPr>
+                        <a:t>0.013</a:t>
+                      </a:r>
+                      <a:endParaRPr lang="en-GB" sz="2700"/>
+                    </a:p>
+                  </a:txBody>
+                  <a:tcPr marL="138973" marR="138973" marT="69486" marB="69486"/>
+                </a:tc>
+                <a:tc>
+                  <a:txBody>
+                    <a:bodyPr/>
+                    <a:lstStyle/>
+                    <a:p>
+                      <a:pPr algn="ctr"/>
+                      <a:r>
+                        <a:rPr lang="fr-IE" sz="2700" b="0" i="0" u="none" strike="noStrike" kern="1200">
+                          <a:solidFill>
+                            <a:schemeClr val="dk1"/>
+                          </a:solidFill>
+                          <a:effectLst/>
+                          <a:latin typeface="+mn-lt"/>
+                          <a:ea typeface="+mn-ea"/>
+                          <a:cs typeface="+mn-cs"/>
+                        </a:rPr>
+                        <a:t>0.076</a:t>
+                      </a:r>
+                      <a:endParaRPr lang="en-GB" sz="2700"/>
+                    </a:p>
+                  </a:txBody>
+                  <a:tcPr marL="138973" marR="138973" marT="69486" marB="69486"/>
+                </a:tc>
+                <a:tc>
+                  <a:txBody>
+                    <a:bodyPr/>
+                    <a:lstStyle/>
+                    <a:p>
+                      <a:pPr algn="ctr"/>
+                      <a:r>
+                        <a:rPr lang="fr-IE" sz="2700" b="0" i="0" u="none" strike="noStrike" kern="1200">
+                          <a:solidFill>
+                            <a:schemeClr val="dk1"/>
+                          </a:solidFill>
+                          <a:effectLst/>
+                          <a:latin typeface="+mn-lt"/>
+                          <a:ea typeface="+mn-ea"/>
+                          <a:cs typeface="+mn-cs"/>
+                        </a:rPr>
+                        <a:t>0.047</a:t>
+                      </a:r>
+                      <a:endParaRPr lang="en-GB" sz="2700"/>
+                    </a:p>
+                  </a:txBody>
+                  <a:tcPr marL="138973" marR="138973" marT="69486" marB="69486"/>
+                </a:tc>
+                <a:extLst>
+                  <a:ext uri="{0D108BD9-81ED-4DB2-BD59-A6C34878D82A}">
+                    <a16:rowId xmlns:a16="http://schemas.microsoft.com/office/drawing/2014/main" val="3658839988"/>
+                  </a:ext>
+                </a:extLst>
+              </a:tr>
+            </a:tbl>
+          </a:graphicData>
+        </a:graphic>
+      </p:graphicFrame>
     </p:spTree>
     <p:extLst>
       <p:ext uri="{BB962C8B-B14F-4D97-AF65-F5344CB8AC3E}">
-        <p14:creationId xmlns:p14="http://schemas.microsoft.com/office/powerpoint/2010/main" val="2105170514"/>
+        <p14:creationId xmlns:p14="http://schemas.microsoft.com/office/powerpoint/2010/main" val="1749461696"/>
       </p:ext>
     </p:extLst>
   </p:cSld>
@@ -5729,6 +6898,14 @@
 <file path=ppt/slides/slide8.xml><?xml version="1.0" encoding="utf-8"?>
 <p:sld xmlns:a="http://schemas.openxmlformats.org/drawingml/2006/main" xmlns:r="http://schemas.openxmlformats.org/officeDocument/2006/relationships" xmlns:p="http://schemas.openxmlformats.org/presentationml/2006/main">
   <p:cSld>
+    <p:bg>
+      <p:bgPr>
+        <a:solidFill>
+          <a:schemeClr val="bg2"/>
+        </a:solidFill>
+        <a:effectLst/>
+      </p:bgPr>
+    </p:bg>
     <p:spTree>
       <p:nvGrpSpPr>
         <p:cNvPr id="1" name=""/>
@@ -5743,6 +6920,567 @@
           <a:chExt cx="0" cy="0"/>
         </a:xfrm>
       </p:grpSpPr>
+      <p:sp useBgFill="1">
+        <p:nvSpPr>
+          <p:cNvPr id="8" name="Rectangle 7">
+            <a:extLst>
+              <a:ext uri="{FF2B5EF4-FFF2-40B4-BE49-F238E27FC236}">
+                <a16:creationId xmlns:a16="http://schemas.microsoft.com/office/drawing/2014/main" id="{32812C54-7AEF-4ABB-826E-221F51CB0F30}"/>
+              </a:ext>
+              <a:ext uri="{C183D7F6-B498-43B3-948B-1728B52AA6E4}">
+                <adec:decorative xmlns:adec="http://schemas.microsoft.com/office/drawing/2017/decorative" val="1"/>
+              </a:ext>
+            </a:extLst>
+          </p:cNvPr>
+          <p:cNvSpPr>
+            <a:spLocks noGrp="1" noRot="1" noChangeAspect="1" noMove="1" noResize="1" noEditPoints="1" noAdjustHandles="1" noChangeArrowheads="1" noChangeShapeType="1" noTextEdit="1"/>
+          </p:cNvSpPr>
+          <p:nvPr>
+            <p:extLst>
+              <p:ext uri="{386F3935-93C4-4BCD-93E2-E3B085C9AB24}">
+                <p16:designElem xmlns:p16="http://schemas.microsoft.com/office/powerpoint/2015/main" val="1"/>
+              </p:ext>
+            </p:extLst>
+          </p:nvPr>
+        </p:nvSpPr>
+        <p:spPr>
+          <a:xfrm>
+            <a:off x="0" y="0"/>
+            <a:ext cx="12192000" cy="6858000"/>
+          </a:xfrm>
+          <a:prstGeom prst="rect">
+            <a:avLst/>
+          </a:prstGeom>
+          <a:ln>
+            <a:noFill/>
+          </a:ln>
+        </p:spPr>
+        <p:style>
+          <a:lnRef idx="2">
+            <a:schemeClr val="accent1">
+              <a:shade val="50000"/>
+            </a:schemeClr>
+          </a:lnRef>
+          <a:fillRef idx="1">
+            <a:schemeClr val="accent1"/>
+          </a:fillRef>
+          <a:effectRef idx="0">
+            <a:schemeClr val="accent1"/>
+          </a:effectRef>
+          <a:fontRef idx="minor">
+            <a:schemeClr val="lt1"/>
+          </a:fontRef>
+        </p:style>
+        <p:txBody>
+          <a:bodyPr rtlCol="0" anchor="ctr"/>
+          <a:lstStyle/>
+          <a:p>
+            <a:pPr algn="ctr"/>
+            <a:endParaRPr lang="en-US"/>
+          </a:p>
+        </p:txBody>
+      </p:sp>
+      <p:sp>
+        <p:nvSpPr>
+          <p:cNvPr id="2" name="Titre 1">
+            <a:extLst>
+              <a:ext uri="{FF2B5EF4-FFF2-40B4-BE49-F238E27FC236}">
+                <a16:creationId xmlns:a16="http://schemas.microsoft.com/office/drawing/2014/main" id="{00309B92-A1C4-F344-9D27-6CA4CE0353D3}"/>
+              </a:ext>
+            </a:extLst>
+          </p:cNvPr>
+          <p:cNvSpPr>
+            <a:spLocks noGrp="1"/>
+          </p:cNvSpPr>
+          <p:nvPr>
+            <p:ph type="title"/>
+          </p:nvPr>
+        </p:nvSpPr>
+        <p:spPr>
+          <a:xfrm>
+            <a:off x="3363864" y="685800"/>
+            <a:ext cx="7705164" cy="1485900"/>
+          </a:xfrm>
+        </p:spPr>
+        <p:txBody>
+          <a:bodyPr>
+            <a:normAutofit/>
+          </a:bodyPr>
+          <a:lstStyle/>
+          <a:p>
+            <a:r>
+              <a:rPr lang="fr-IE" dirty="0"/>
+              <a:t>Usage</a:t>
+            </a:r>
+          </a:p>
+        </p:txBody>
+      </p:sp>
+      <p:sp>
+        <p:nvSpPr>
+          <p:cNvPr id="10" name="Rectangle 9">
+            <a:extLst>
+              <a:ext uri="{FF2B5EF4-FFF2-40B4-BE49-F238E27FC236}">
+                <a16:creationId xmlns:a16="http://schemas.microsoft.com/office/drawing/2014/main" id="{891F40E4-8A76-44CF-91EC-907367352626}"/>
+              </a:ext>
+              <a:ext uri="{C183D7F6-B498-43B3-948B-1728B52AA6E4}">
+                <adec:decorative xmlns:adec="http://schemas.microsoft.com/office/drawing/2017/decorative" val="1"/>
+              </a:ext>
+            </a:extLst>
+          </p:cNvPr>
+          <p:cNvSpPr>
+            <a:spLocks noGrp="1" noRot="1" noChangeAspect="1" noMove="1" noResize="1" noEditPoints="1" noAdjustHandles="1" noChangeArrowheads="1" noChangeShapeType="1" noTextEdit="1"/>
+          </p:cNvSpPr>
+          <p:nvPr>
+            <p:extLst>
+              <p:ext uri="{386F3935-93C4-4BCD-93E2-E3B085C9AB24}">
+                <p16:designElem xmlns:p16="http://schemas.microsoft.com/office/powerpoint/2015/main" val="1"/>
+              </p:ext>
+            </p:extLst>
+          </p:nvPr>
+        </p:nvSpPr>
+        <p:spPr>
+          <a:xfrm>
+            <a:off x="1" y="376"/>
+            <a:ext cx="3044410" cy="6857624"/>
+          </a:xfrm>
+          <a:prstGeom prst="rect">
+            <a:avLst/>
+          </a:prstGeom>
+          <a:solidFill>
+            <a:schemeClr val="accent1"/>
+          </a:solidFill>
+          <a:ln>
+            <a:noFill/>
+          </a:ln>
+        </p:spPr>
+        <p:style>
+          <a:lnRef idx="2">
+            <a:schemeClr val="accent1">
+              <a:shade val="50000"/>
+            </a:schemeClr>
+          </a:lnRef>
+          <a:fillRef idx="1">
+            <a:schemeClr val="accent1"/>
+          </a:fillRef>
+          <a:effectRef idx="0">
+            <a:schemeClr val="accent1"/>
+          </a:effectRef>
+          <a:fontRef idx="minor">
+            <a:schemeClr val="lt1"/>
+          </a:fontRef>
+        </p:style>
+      </p:sp>
+      <p:sp>
+        <p:nvSpPr>
+          <p:cNvPr id="12" name="Rectangle 11">
+            <a:extLst>
+              <a:ext uri="{FF2B5EF4-FFF2-40B4-BE49-F238E27FC236}">
+                <a16:creationId xmlns:a16="http://schemas.microsoft.com/office/drawing/2014/main" id="{72171013-D973-4187-9CF2-EE098EEF8194}"/>
+              </a:ext>
+              <a:ext uri="{C183D7F6-B498-43B3-948B-1728B52AA6E4}">
+                <adec:decorative xmlns:adec="http://schemas.microsoft.com/office/drawing/2017/decorative" val="1"/>
+              </a:ext>
+            </a:extLst>
+          </p:cNvPr>
+          <p:cNvSpPr>
+            <a:spLocks noGrp="1" noRot="1" noChangeAspect="1" noMove="1" noResize="1" noEditPoints="1" noAdjustHandles="1" noChangeArrowheads="1" noChangeShapeType="1" noTextEdit="1"/>
+          </p:cNvSpPr>
+          <p:nvPr>
+            <p:extLst>
+              <p:ext uri="{386F3935-93C4-4BCD-93E2-E3B085C9AB24}">
+                <p16:designElem xmlns:p16="http://schemas.microsoft.com/office/powerpoint/2015/main" val="1"/>
+              </p:ext>
+            </p:extLst>
+          </p:nvPr>
+        </p:nvSpPr>
+        <p:spPr>
+          <a:xfrm>
+            <a:off x="2815810" y="376"/>
+            <a:ext cx="228600" cy="6858000"/>
+          </a:xfrm>
+          <a:prstGeom prst="rect">
+            <a:avLst/>
+          </a:prstGeom>
+          <a:solidFill>
+            <a:schemeClr val="tx2"/>
+          </a:solidFill>
+          <a:ln>
+            <a:noFill/>
+          </a:ln>
+        </p:spPr>
+        <p:style>
+          <a:lnRef idx="2">
+            <a:schemeClr val="accent1">
+              <a:shade val="50000"/>
+            </a:schemeClr>
+          </a:lnRef>
+          <a:fillRef idx="1">
+            <a:schemeClr val="accent1"/>
+          </a:fillRef>
+          <a:effectRef idx="0">
+            <a:schemeClr val="accent1"/>
+          </a:effectRef>
+          <a:fontRef idx="minor">
+            <a:schemeClr val="lt1"/>
+          </a:fontRef>
+        </p:style>
+      </p:sp>
+      <p:sp>
+        <p:nvSpPr>
+          <p:cNvPr id="3" name="Espace réservé du contenu 2">
+            <a:extLst>
+              <a:ext uri="{FF2B5EF4-FFF2-40B4-BE49-F238E27FC236}">
+                <a16:creationId xmlns:a16="http://schemas.microsoft.com/office/drawing/2014/main" id="{35676D4F-AFE0-6846-B385-2530E6E1B477}"/>
+              </a:ext>
+            </a:extLst>
+          </p:cNvPr>
+          <p:cNvSpPr>
+            <a:spLocks noGrp="1"/>
+          </p:cNvSpPr>
+          <p:nvPr>
+            <p:ph idx="1"/>
+          </p:nvPr>
+        </p:nvSpPr>
+        <p:spPr>
+          <a:xfrm>
+            <a:off x="3363864" y="2286000"/>
+            <a:ext cx="7705164" cy="3581400"/>
+          </a:xfrm>
+        </p:spPr>
+        <p:txBody>
+          <a:bodyPr>
+            <a:normAutofit fontScale="85000" lnSpcReduction="20000"/>
+          </a:bodyPr>
+          <a:lstStyle/>
+          <a:p>
+            <a:r>
+              <a:rPr lang="en-GB" sz="1600" dirty="0"/>
+              <a:t>Real time detection</a:t>
+            </a:r>
+          </a:p>
+          <a:p>
+            <a:pPr lvl="1"/>
+            <a:r>
+              <a:rPr lang="en-GB" sz="1600" dirty="0"/>
+              <a:t>Strength</a:t>
+            </a:r>
+          </a:p>
+          <a:p>
+            <a:pPr lvl="2"/>
+            <a:r>
+              <a:rPr lang="en-GB" sz="1600" dirty="0"/>
+              <a:t>Able to deal with huge volume of transactions with a limited number of human interactions</a:t>
+            </a:r>
+          </a:p>
+          <a:p>
+            <a:pPr lvl="2"/>
+            <a:r>
+              <a:rPr lang="en-GB" sz="1600" dirty="0"/>
+              <a:t>Efficient on global risk mitigation</a:t>
+            </a:r>
+          </a:p>
+          <a:p>
+            <a:pPr lvl="1"/>
+            <a:r>
+              <a:rPr lang="en-GB" sz="1600" dirty="0"/>
+              <a:t>Limit</a:t>
+            </a:r>
+          </a:p>
+          <a:p>
+            <a:pPr lvl="2"/>
+            <a:r>
+              <a:rPr lang="en-GB" sz="1600" dirty="0"/>
+              <a:t>Timeframe needed to take the decision</a:t>
+            </a:r>
+          </a:p>
+          <a:p>
+            <a:pPr lvl="2"/>
+            <a:r>
+              <a:rPr lang="en-GB" sz="1600" dirty="0"/>
+              <a:t>Each model need to be trained regularly</a:t>
+            </a:r>
+          </a:p>
+          <a:p>
+            <a:r>
+              <a:rPr lang="en-GB" sz="1600" dirty="0"/>
+              <a:t>Global review</a:t>
+            </a:r>
+          </a:p>
+          <a:p>
+            <a:pPr lvl="1"/>
+            <a:r>
+              <a:rPr lang="en-GB" sz="1600" dirty="0"/>
+              <a:t>Strength</a:t>
+            </a:r>
+          </a:p>
+          <a:p>
+            <a:pPr lvl="2"/>
+            <a:r>
+              <a:rPr lang="en-GB" sz="1600" dirty="0"/>
+              <a:t>Allow to detect potential trend or weak point</a:t>
+            </a:r>
+          </a:p>
+          <a:p>
+            <a:pPr lvl="1"/>
+            <a:r>
+              <a:rPr lang="en-GB" sz="1600" dirty="0"/>
+              <a:t>Limit</a:t>
+            </a:r>
+          </a:p>
+          <a:p>
+            <a:pPr lvl="2"/>
+            <a:r>
+              <a:rPr lang="en-GB" sz="1600" dirty="0"/>
+              <a:t>No direct impact on real time decision </a:t>
+            </a:r>
+          </a:p>
+          <a:p>
+            <a:pPr lvl="2"/>
+            <a:r>
+              <a:rPr lang="en-GB" sz="1600" dirty="0"/>
+              <a:t>Can’t identify a specific fraud trend at this stage</a:t>
+            </a:r>
+          </a:p>
+          <a:p>
+            <a:pPr lvl="1"/>
+            <a:endParaRPr lang="en-GB" sz="1200" dirty="0"/>
+          </a:p>
+        </p:txBody>
+      </p:sp>
+      <p:pic>
+        <p:nvPicPr>
+          <p:cNvPr id="5" name="Image 4" descr="Une image contenant texte, personne, enfant, intérieur&#10;&#10;Description générée automatiquement">
+            <a:extLst>
+              <a:ext uri="{FF2B5EF4-FFF2-40B4-BE49-F238E27FC236}">
+                <a16:creationId xmlns:a16="http://schemas.microsoft.com/office/drawing/2014/main" id="{706B4A44-6ABA-FE4B-A376-D964283CFC65}"/>
+              </a:ext>
+            </a:extLst>
+          </p:cNvPr>
+          <p:cNvPicPr>
+            <a:picLocks noChangeAspect="1"/>
+          </p:cNvPicPr>
+          <p:nvPr/>
+        </p:nvPicPr>
+        <p:blipFill>
+          <a:blip r:embed="rId2"/>
+          <a:stretch>
+            <a:fillRect/>
+          </a:stretch>
+        </p:blipFill>
+        <p:spPr>
+          <a:xfrm>
+            <a:off x="11069028" y="5537200"/>
+            <a:ext cx="1117600" cy="1270000"/>
+          </a:xfrm>
+          <a:prstGeom prst="rect">
+            <a:avLst/>
+          </a:prstGeom>
+        </p:spPr>
+      </p:pic>
+    </p:spTree>
+    <p:extLst>
+      <p:ext uri="{BB962C8B-B14F-4D97-AF65-F5344CB8AC3E}">
+        <p14:creationId xmlns:p14="http://schemas.microsoft.com/office/powerpoint/2010/main" val="2105170514"/>
+      </p:ext>
+    </p:extLst>
+  </p:cSld>
+  <p:clrMapOvr>
+    <a:masterClrMapping/>
+  </p:clrMapOvr>
+  <p:timing>
+    <p:tnLst>
+      <p:par>
+        <p:cTn id="1" dur="indefinite" restart="never" nodeType="tmRoot">
+          <p:childTnLst>
+            <p:seq concurrent="1" nextAc="seek">
+              <p:cTn id="2" dur="indefinite" nodeType="mainSeq">
+                <p:childTnLst>
+                  <p:par>
+                    <p:cTn id="3" fill="hold">
+                      <p:stCondLst>
+                        <p:cond delay="indefinite"/>
+                      </p:stCondLst>
+                      <p:childTnLst>
+                        <p:par>
+                          <p:cTn id="4" fill="hold">
+                            <p:stCondLst>
+                              <p:cond delay="0"/>
+                            </p:stCondLst>
+                            <p:childTnLst>
+                              <p:par>
+                                <p:cTn id="5" presetID="12" presetClass="entr" presetSubtype="4" fill="hold" nodeType="clickEffect">
+                                  <p:stCondLst>
+                                    <p:cond delay="0"/>
+                                  </p:stCondLst>
+                                  <p:childTnLst>
+                                    <p:set>
+                                      <p:cBhvr>
+                                        <p:cTn id="6" dur="1" fill="hold">
+                                          <p:stCondLst>
+                                            <p:cond delay="0"/>
+                                          </p:stCondLst>
+                                        </p:cTn>
+                                        <p:tgtEl>
+                                          <p:spTgt spid="5"/>
+                                        </p:tgtEl>
+                                        <p:attrNameLst>
+                                          <p:attrName>style.visibility</p:attrName>
+                                        </p:attrNameLst>
+                                      </p:cBhvr>
+                                      <p:to>
+                                        <p:strVal val="visible"/>
+                                      </p:to>
+                                    </p:set>
+                                    <p:anim calcmode="lin" valueType="num">
+                                      <p:cBhvr additive="base">
+                                        <p:cTn id="7" dur="500"/>
+                                        <p:tgtEl>
+                                          <p:spTgt spid="5"/>
+                                        </p:tgtEl>
+                                        <p:attrNameLst>
+                                          <p:attrName>ppt_y</p:attrName>
+                                        </p:attrNameLst>
+                                      </p:cBhvr>
+                                      <p:tavLst>
+                                        <p:tav tm="0">
+                                          <p:val>
+                                            <p:strVal val="#ppt_y+#ppt_h*1.125000"/>
+                                          </p:val>
+                                        </p:tav>
+                                        <p:tav tm="100000">
+                                          <p:val>
+                                            <p:strVal val="#ppt_y"/>
+                                          </p:val>
+                                        </p:tav>
+                                      </p:tavLst>
+                                    </p:anim>
+                                    <p:animEffect transition="in" filter="wipe(up)">
+                                      <p:cBhvr>
+                                        <p:cTn id="8" dur="500"/>
+                                        <p:tgtEl>
+                                          <p:spTgt spid="5"/>
+                                        </p:tgtEl>
+                                      </p:cBhvr>
+                                    </p:animEffect>
+                                  </p:childTnLst>
+                                </p:cTn>
+                              </p:par>
+                            </p:childTnLst>
+                          </p:cTn>
+                        </p:par>
+                      </p:childTnLst>
+                    </p:cTn>
+                  </p:par>
+                </p:childTnLst>
+              </p:cTn>
+              <p:prevCondLst>
+                <p:cond evt="onPrev" delay="0">
+                  <p:tgtEl>
+                    <p:sldTgt/>
+                  </p:tgtEl>
+                </p:cond>
+              </p:prevCondLst>
+              <p:nextCondLst>
+                <p:cond evt="onNext" delay="0">
+                  <p:tgtEl>
+                    <p:sldTgt/>
+                  </p:tgtEl>
+                </p:cond>
+              </p:nextCondLst>
+            </p:seq>
+          </p:childTnLst>
+        </p:cTn>
+      </p:par>
+    </p:tnLst>
+  </p:timing>
+</p:sld>
+</file>
+
+<file path=ppt/slides/slide9.xml><?xml version="1.0" encoding="utf-8"?>
+<p:sld xmlns:a="http://schemas.openxmlformats.org/drawingml/2006/main" xmlns:r="http://schemas.openxmlformats.org/officeDocument/2006/relationships" xmlns:p="http://schemas.openxmlformats.org/presentationml/2006/main">
+  <p:cSld>
+    <p:bg>
+      <p:bgPr>
+        <a:solidFill>
+          <a:schemeClr val="bg2"/>
+        </a:solidFill>
+        <a:effectLst/>
+      </p:bgPr>
+    </p:bg>
+    <p:spTree>
+      <p:nvGrpSpPr>
+        <p:cNvPr id="1" name=""/>
+        <p:cNvGrpSpPr/>
+        <p:nvPr/>
+      </p:nvGrpSpPr>
+      <p:grpSpPr>
+        <a:xfrm>
+          <a:off x="0" y="0"/>
+          <a:ext cx="0" cy="0"/>
+          <a:chOff x="0" y="0"/>
+          <a:chExt cx="0" cy="0"/>
+        </a:xfrm>
+      </p:grpSpPr>
+      <p:sp useBgFill="1">
+        <p:nvSpPr>
+          <p:cNvPr id="8" name="Rectangle 7">
+            <a:extLst>
+              <a:ext uri="{FF2B5EF4-FFF2-40B4-BE49-F238E27FC236}">
+                <a16:creationId xmlns:a16="http://schemas.microsoft.com/office/drawing/2014/main" id="{32812C54-7AEF-4ABB-826E-221F51CB0F30}"/>
+              </a:ext>
+              <a:ext uri="{C183D7F6-B498-43B3-948B-1728B52AA6E4}">
+                <adec:decorative xmlns:adec="http://schemas.microsoft.com/office/drawing/2017/decorative" val="1"/>
+              </a:ext>
+            </a:extLst>
+          </p:cNvPr>
+          <p:cNvSpPr>
+            <a:spLocks noGrp="1" noRot="1" noChangeAspect="1" noMove="1" noResize="1" noEditPoints="1" noAdjustHandles="1" noChangeArrowheads="1" noChangeShapeType="1" noTextEdit="1"/>
+          </p:cNvSpPr>
+          <p:nvPr>
+            <p:extLst>
+              <p:ext uri="{386F3935-93C4-4BCD-93E2-E3B085C9AB24}">
+                <p16:designElem xmlns:p16="http://schemas.microsoft.com/office/powerpoint/2015/main" val="1"/>
+              </p:ext>
+            </p:extLst>
+          </p:nvPr>
+        </p:nvSpPr>
+        <p:spPr>
+          <a:xfrm>
+            <a:off x="0" y="0"/>
+            <a:ext cx="12192000" cy="6858000"/>
+          </a:xfrm>
+          <a:prstGeom prst="rect">
+            <a:avLst/>
+          </a:prstGeom>
+          <a:ln>
+            <a:noFill/>
+          </a:ln>
+        </p:spPr>
+        <p:style>
+          <a:lnRef idx="2">
+            <a:schemeClr val="accent1">
+              <a:shade val="50000"/>
+            </a:schemeClr>
+          </a:lnRef>
+          <a:fillRef idx="1">
+            <a:schemeClr val="accent1"/>
+          </a:fillRef>
+          <a:effectRef idx="0">
+            <a:schemeClr val="accent1"/>
+          </a:effectRef>
+          <a:fontRef idx="minor">
+            <a:schemeClr val="lt1"/>
+          </a:fontRef>
+        </p:style>
+        <p:txBody>
+          <a:bodyPr rtlCol="0" anchor="ctr"/>
+          <a:lstStyle/>
+          <a:p>
+            <a:pPr algn="ctr"/>
+            <a:endParaRPr lang="en-US"/>
+          </a:p>
+        </p:txBody>
+      </p:sp>
       <p:sp>
         <p:nvSpPr>
           <p:cNvPr id="2" name="Titre 1">
@@ -5759,17 +7497,134 @@
             <p:ph type="title"/>
           </p:nvPr>
         </p:nvSpPr>
-        <p:spPr/>
-        <p:txBody>
-          <a:bodyPr/>
+        <p:spPr>
+          <a:xfrm>
+            <a:off x="3363864" y="685800"/>
+            <a:ext cx="7705164" cy="1485900"/>
+          </a:xfrm>
+        </p:spPr>
+        <p:txBody>
+          <a:bodyPr>
+            <a:normAutofit/>
+          </a:bodyPr>
           <a:lstStyle/>
           <a:p>
             <a:r>
               <a:rPr lang="fr-IE" dirty="0"/>
-              <a:t>Perspective</a:t>
-            </a:r>
-          </a:p>
-        </p:txBody>
+              <a:t>Next step</a:t>
+            </a:r>
+          </a:p>
+        </p:txBody>
+      </p:sp>
+      <p:sp>
+        <p:nvSpPr>
+          <p:cNvPr id="10" name="Rectangle 9">
+            <a:extLst>
+              <a:ext uri="{FF2B5EF4-FFF2-40B4-BE49-F238E27FC236}">
+                <a16:creationId xmlns:a16="http://schemas.microsoft.com/office/drawing/2014/main" id="{891F40E4-8A76-44CF-91EC-907367352626}"/>
+              </a:ext>
+              <a:ext uri="{C183D7F6-B498-43B3-948B-1728B52AA6E4}">
+                <adec:decorative xmlns:adec="http://schemas.microsoft.com/office/drawing/2017/decorative" val="1"/>
+              </a:ext>
+            </a:extLst>
+          </p:cNvPr>
+          <p:cNvSpPr>
+            <a:spLocks noGrp="1" noRot="1" noChangeAspect="1" noMove="1" noResize="1" noEditPoints="1" noAdjustHandles="1" noChangeArrowheads="1" noChangeShapeType="1" noTextEdit="1"/>
+          </p:cNvSpPr>
+          <p:nvPr>
+            <p:extLst>
+              <p:ext uri="{386F3935-93C4-4BCD-93E2-E3B085C9AB24}">
+                <p16:designElem xmlns:p16="http://schemas.microsoft.com/office/powerpoint/2015/main" val="1"/>
+              </p:ext>
+            </p:extLst>
+          </p:nvPr>
+        </p:nvSpPr>
+        <p:spPr>
+          <a:xfrm>
+            <a:off x="1" y="376"/>
+            <a:ext cx="3044410" cy="6857624"/>
+          </a:xfrm>
+          <a:prstGeom prst="rect">
+            <a:avLst/>
+          </a:prstGeom>
+          <a:solidFill>
+            <a:schemeClr val="accent1"/>
+          </a:solidFill>
+          <a:ln>
+            <a:noFill/>
+          </a:ln>
+        </p:spPr>
+        <p:style>
+          <a:lnRef idx="2">
+            <a:schemeClr val="accent1">
+              <a:shade val="50000"/>
+            </a:schemeClr>
+          </a:lnRef>
+          <a:fillRef idx="1">
+            <a:schemeClr val="accent1"/>
+          </a:fillRef>
+          <a:effectRef idx="0">
+            <a:schemeClr val="accent1"/>
+          </a:effectRef>
+          <a:fontRef idx="minor">
+            <a:schemeClr val="lt1"/>
+          </a:fontRef>
+        </p:style>
+      </p:sp>
+      <p:sp>
+        <p:nvSpPr>
+          <p:cNvPr id="12" name="Rectangle 11">
+            <a:extLst>
+              <a:ext uri="{FF2B5EF4-FFF2-40B4-BE49-F238E27FC236}">
+                <a16:creationId xmlns:a16="http://schemas.microsoft.com/office/drawing/2014/main" id="{72171013-D973-4187-9CF2-EE098EEF8194}"/>
+              </a:ext>
+              <a:ext uri="{C183D7F6-B498-43B3-948B-1728B52AA6E4}">
+                <adec:decorative xmlns:adec="http://schemas.microsoft.com/office/drawing/2017/decorative" val="1"/>
+              </a:ext>
+            </a:extLst>
+          </p:cNvPr>
+          <p:cNvSpPr>
+            <a:spLocks noGrp="1" noRot="1" noChangeAspect="1" noMove="1" noResize="1" noEditPoints="1" noAdjustHandles="1" noChangeArrowheads="1" noChangeShapeType="1" noTextEdit="1"/>
+          </p:cNvSpPr>
+          <p:nvPr>
+            <p:extLst>
+              <p:ext uri="{386F3935-93C4-4BCD-93E2-E3B085C9AB24}">
+                <p16:designElem xmlns:p16="http://schemas.microsoft.com/office/powerpoint/2015/main" val="1"/>
+              </p:ext>
+            </p:extLst>
+          </p:nvPr>
+        </p:nvSpPr>
+        <p:spPr>
+          <a:xfrm>
+            <a:off x="2815810" y="376"/>
+            <a:ext cx="228600" cy="6858000"/>
+          </a:xfrm>
+          <a:prstGeom prst="rect">
+            <a:avLst/>
+          </a:prstGeom>
+          <a:solidFill>
+            <a:schemeClr val="tx2"/>
+          </a:solidFill>
+          <a:ln>
+            <a:noFill/>
+          </a:ln>
+        </p:spPr>
+        <p:style>
+          <a:lnRef idx="2">
+            <a:schemeClr val="accent1">
+              <a:shade val="50000"/>
+            </a:schemeClr>
+          </a:lnRef>
+          <a:fillRef idx="1">
+            <a:schemeClr val="accent1"/>
+          </a:fillRef>
+          <a:effectRef idx="0">
+            <a:schemeClr val="accent1"/>
+          </a:effectRef>
+          <a:fontRef idx="minor">
+            <a:schemeClr val="lt1"/>
+          </a:fontRef>
+        </p:style>
       </p:sp>
       <p:sp>
         <p:nvSpPr>
@@ -5787,9 +7642,16 @@
             <p:ph idx="1"/>
           </p:nvPr>
         </p:nvSpPr>
-        <p:spPr/>
-        <p:txBody>
-          <a:bodyPr/>
+        <p:spPr>
+          <a:xfrm>
+            <a:off x="3363864" y="2286000"/>
+            <a:ext cx="7705164" cy="3581400"/>
+          </a:xfrm>
+        </p:spPr>
+        <p:txBody>
+          <a:bodyPr anchor="ctr">
+            <a:normAutofit/>
+          </a:bodyPr>
           <a:lstStyle/>
           <a:p>
             <a:r>
@@ -5800,17 +7662,14 @@
           <a:p>
             <a:r>
               <a:rPr lang="fr-IE" dirty="0"/>
-              <a:t>ML for detecting link between different accounts</a:t>
+              <a:t>Product related scoring</a:t>
             </a:r>
           </a:p>
           <a:p>
             <a:r>
               <a:rPr lang="fr-IE" dirty="0"/>
-              <a:t>Adding product related scoring</a:t>
-            </a:r>
-          </a:p>
-          <a:p>
-            <a:endParaRPr lang="fr-IE" dirty="0"/>
+              <a:t>ML engine for detecting link between different customers</a:t>
+            </a:r>
           </a:p>
         </p:txBody>
       </p:sp>
